--- a/posts/1/slides.pptx
+++ b/posts/1/slides.pptx
@@ -4125,7 +4125,7 @@
         </p:nvSpPr>
         <p:spPr bwMode="auto">
           <a:xfrm flipH="0" flipV="0">
-            <a:off x="2330836" y="5304438"/>
+            <a:off x="2330836" y="5304437"/>
             <a:ext cx="3954888" cy="1554840"/>
           </a:xfrm>
           <a:prstGeom prst="rect">
@@ -4522,61 +4522,13 @@
       </p:cxnSp>
       <p:sp>
         <p:nvSpPr>
-          <p:cNvPr id="1454305622" name="TextBox 6"/>
-          <p:cNvSpPr txBox="1"/>
-          <p:nvPr/>
-        </p:nvSpPr>
-        <p:spPr bwMode="auto">
-          <a:xfrm rot="0" flipH="0" flipV="0">
-            <a:off x="581142" y="9443439"/>
-            <a:ext cx="3417258" cy="782425"/>
-          </a:xfrm>
-          <a:prstGeom prst="rect">
-            <a:avLst/>
-          </a:prstGeom>
-        </p:spPr>
-        <p:txBody>
-          <a:bodyPr lIns="0" tIns="0" rIns="0" bIns="0" rtlCol="0" anchor="t">
-            <a:spAutoFit/>
-          </a:bodyPr>
-          <a:lstStyle/>
-          <a:p>
-            <a:pPr algn="ctr">
-              <a:lnSpc>
-                <a:spcPts val="6157"/>
-              </a:lnSpc>
-              <a:defRPr/>
-            </a:pPr>
-            <a:r>
-              <a:rPr lang="en-US" sz="2600" b="0">
-                <a:solidFill>
-                  <a:schemeClr val="bg1"/>
-                </a:solidFill>
-                <a:latin typeface="Agave"/>
-                <a:ea typeface="Agave"/>
-                <a:cs typeface="Agave"/>
-              </a:rPr>
-              <a:t>Health and Happiness</a:t>
-            </a:r>
-            <a:endParaRPr sz="2600" b="0">
-              <a:solidFill>
-                <a:schemeClr val="bg1"/>
-              </a:solidFill>
-              <a:latin typeface="Tinos"/>
-              <a:cs typeface="Tinos"/>
-            </a:endParaRPr>
-          </a:p>
-        </p:txBody>
-      </p:sp>
-      <p:sp>
-        <p:nvSpPr>
           <p:cNvPr id="434183478" name="TextBox 6"/>
           <p:cNvSpPr txBox="1"/>
           <p:nvPr/>
         </p:nvSpPr>
         <p:spPr bwMode="auto">
           <a:xfrm rot="0" flipH="0" flipV="0">
-            <a:off x="-103062" y="710786"/>
+            <a:off x="-103061" y="710786"/>
             <a:ext cx="10562178" cy="782425"/>
           </a:xfrm>
           <a:prstGeom prst="rect">
@@ -4630,6 +4582,102 @@
               <a:latin typeface="Tinos"/>
               <a:cs typeface="Tinos"/>
             </a:endParaRPr>
+          </a:p>
+        </p:txBody>
+      </p:sp>
+      <p:sp>
+        <p:nvSpPr>
+          <p:cNvPr id="1487467227" name="TextBox 6"/>
+          <p:cNvSpPr txBox="1"/>
+          <p:nvPr/>
+        </p:nvSpPr>
+        <p:spPr bwMode="auto">
+          <a:xfrm rot="0" flipH="0" flipV="0">
+            <a:off x="501507" y="9279210"/>
+            <a:ext cx="4016785" cy="782298"/>
+          </a:xfrm>
+          <a:prstGeom prst="rect">
+            <a:avLst/>
+          </a:prstGeom>
+        </p:spPr>
+        <p:txBody>
+          <a:bodyPr lIns="0" tIns="0" rIns="0" bIns="0" rtlCol="0" anchor="t">
+            <a:spAutoFit/>
+          </a:bodyPr>
+          <a:lstStyle/>
+          <a:p>
+            <a:pPr algn="ctr">
+              <a:lnSpc>
+                <a:spcPts val="6156"/>
+              </a:lnSpc>
+              <a:defRPr/>
+            </a:pPr>
+            <a:r>
+              <a:rPr lang="en-US" sz="2600" b="0">
+                <a:solidFill>
+                  <a:schemeClr val="bg1"/>
+                </a:solidFill>
+                <a:latin typeface="Agave"/>
+                <a:ea typeface="Agave"/>
+                <a:cs typeface="Agave"/>
+              </a:rPr>
+              <a:t>Counsels on Lifestyle</a:t>
+            </a:r>
+            <a:endParaRPr sz="2600" b="0">
+              <a:solidFill>
+                <a:schemeClr val="bg1"/>
+              </a:solidFill>
+              <a:latin typeface="Tinos"/>
+              <a:cs typeface="Tinos"/>
+            </a:endParaRPr>
+          </a:p>
+        </p:txBody>
+      </p:sp>
+      <p:sp>
+        <p:nvSpPr>
+          <p:cNvPr id="1414792401" name=""/>
+          <p:cNvSpPr/>
+          <p:nvPr/>
+        </p:nvSpPr>
+        <p:spPr bwMode="auto">
+          <a:xfrm flipH="0" flipV="0">
+            <a:off x="25439" y="0"/>
+            <a:ext cx="10247583" cy="10286997"/>
+          </a:xfrm>
+          <a:prstGeom prst="rect">
+            <a:avLst/>
+          </a:prstGeom>
+          <a:noFill/>
+          <a:ln w="57150" cap="flat" cmpd="sng" algn="ctr">
+            <a:solidFill>
+              <a:schemeClr val="bg1"/>
+            </a:solidFill>
+            <a:prstDash val="solid"/>
+          </a:ln>
+        </p:spPr>
+        <p:style>
+          <a:lnRef idx="2">
+            <a:schemeClr val="accent1">
+              <a:shade val="50000"/>
+            </a:schemeClr>
+          </a:lnRef>
+          <a:fillRef idx="1">
+            <a:schemeClr val="accent1"/>
+          </a:fillRef>
+          <a:effectRef idx="0">
+            <a:schemeClr val="accent1"/>
+          </a:effectRef>
+          <a:fontRef idx="minor">
+            <a:schemeClr val="lt1"/>
+          </a:fontRef>
+        </p:style>
+        <p:txBody>
+          <a:bodyPr/>
+          <a:p>
+            <a:pPr>
+              <a:defRPr/>
+            </a:pPr>
+            <a:endParaRPr/>
           </a:p>
         </p:txBody>
       </p:sp>
@@ -5050,7 +5098,7 @@
         </p:nvSpPr>
         <p:spPr bwMode="auto">
           <a:xfrm rot="0" flipH="0" flipV="0">
-            <a:off x="-291595" y="163460"/>
+            <a:off x="-291594" y="163460"/>
             <a:ext cx="10969761" cy="1056872"/>
           </a:xfrm>
           <a:prstGeom prst="rect">
@@ -5167,14 +5215,14 @@
       </p:sp>
       <p:sp>
         <p:nvSpPr>
-          <p:cNvPr id="2052383326" name="TextBox 6"/>
+          <p:cNvPr id="1201266266" name="TextBox 6"/>
           <p:cNvSpPr txBox="1"/>
           <p:nvPr/>
         </p:nvSpPr>
         <p:spPr bwMode="auto">
           <a:xfrm rot="0" flipH="0" flipV="0">
-            <a:off x="581142" y="9443439"/>
-            <a:ext cx="3417258" cy="782425"/>
+            <a:off x="501507" y="9279210"/>
+            <a:ext cx="4016785" cy="782298"/>
           </a:xfrm>
           <a:prstGeom prst="rect">
             <a:avLst/>
@@ -5188,7 +5236,7 @@
           <a:p>
             <a:pPr algn="ctr">
               <a:lnSpc>
-                <a:spcPts val="6157"/>
+                <a:spcPts val="6156"/>
               </a:lnSpc>
               <a:defRPr/>
             </a:pPr>
@@ -5201,7 +5249,7 @@
                 <a:ea typeface="Agave"/>
                 <a:cs typeface="Agave"/>
               </a:rPr>
-              <a:t>Health and Happiness</a:t>
+              <a:t>Counsels on Lifestyle</a:t>
             </a:r>
             <a:endParaRPr sz="2600" b="0">
               <a:solidFill>
@@ -5210,6 +5258,54 @@
               <a:latin typeface="Tinos"/>
               <a:cs typeface="Tinos"/>
             </a:endParaRPr>
+          </a:p>
+        </p:txBody>
+      </p:sp>
+      <p:sp>
+        <p:nvSpPr>
+          <p:cNvPr id="486654365" name=""/>
+          <p:cNvSpPr/>
+          <p:nvPr/>
+        </p:nvSpPr>
+        <p:spPr bwMode="auto">
+          <a:xfrm flipH="0" flipV="0">
+            <a:off x="25439" y="0"/>
+            <a:ext cx="10247583" cy="10286997"/>
+          </a:xfrm>
+          <a:prstGeom prst="rect">
+            <a:avLst/>
+          </a:prstGeom>
+          <a:noFill/>
+          <a:ln w="57150" cap="flat" cmpd="sng" algn="ctr">
+            <a:solidFill>
+              <a:schemeClr val="bg1"/>
+            </a:solidFill>
+            <a:prstDash val="solid"/>
+          </a:ln>
+        </p:spPr>
+        <p:style>
+          <a:lnRef idx="2">
+            <a:schemeClr val="accent1">
+              <a:shade val="50000"/>
+            </a:schemeClr>
+          </a:lnRef>
+          <a:fillRef idx="1">
+            <a:schemeClr val="accent1"/>
+          </a:fillRef>
+          <a:effectRef idx="0">
+            <a:schemeClr val="accent1"/>
+          </a:effectRef>
+          <a:fontRef idx="minor">
+            <a:schemeClr val="lt1"/>
+          </a:fontRef>
+        </p:style>
+        <p:txBody>
+          <a:bodyPr/>
+          <a:p>
+            <a:pPr>
+              <a:defRPr/>
+            </a:pPr>
+            <a:endParaRPr/>
           </a:p>
         </p:txBody>
       </p:sp>
@@ -5353,8 +5449,8 @@
         </p:nvSpPr>
         <p:spPr bwMode="auto">
           <a:xfrm flipH="0" flipV="0">
-            <a:off x="1004103" y="1869804"/>
-            <a:ext cx="8253153" cy="7224119"/>
+            <a:off x="1004102" y="1869804"/>
+            <a:ext cx="8254592" cy="7224119"/>
           </a:xfrm>
           <a:prstGeom prst="rect">
             <a:avLst/>
@@ -5603,17 +5699,17 @@
             <a:r>
               <a:rPr lang="en-US" sz="2600" b="0" i="0" u="none" strike="noStrike" cap="none" spc="0">
                 <a:solidFill>
-                  <a:schemeClr val="bg1"/>
+                  <a:srgbClr val="EB6F92"/>
                 </a:solidFill>
                 <a:latin typeface="Agave"/>
                 <a:ea typeface="Agave"/>
                 <a:cs typeface="Agave"/>
               </a:rPr>
-              <a:t>[Counsels on Food and Diet, Ellen G. White]</a:t>
+              <a:t>-Counsels on Food and Diet, Ellen G. White</a:t>
             </a:r>
             <a:endParaRPr sz="2600" b="0" i="0" u="none" strike="noStrike" cap="none" spc="0">
               <a:solidFill>
-                <a:schemeClr val="bg1"/>
+                <a:srgbClr val="EB6F92"/>
               </a:solidFill>
               <a:latin typeface="Agave"/>
               <a:cs typeface="Agave"/>
@@ -5629,7 +5725,7 @@
         </p:nvSpPr>
         <p:spPr bwMode="auto">
           <a:xfrm rot="0" flipH="0" flipV="0">
-            <a:off x="-291595" y="163460"/>
+            <a:off x="-291594" y="163460"/>
             <a:ext cx="10969761" cy="1056872"/>
           </a:xfrm>
           <a:prstGeom prst="rect">
@@ -5675,54 +5771,6 @@
               <a:solidFill>
                 <a:schemeClr val="bg1"/>
               </a:solidFill>
-            </a:endParaRPr>
-          </a:p>
-        </p:txBody>
-      </p:sp>
-      <p:sp>
-        <p:nvSpPr>
-          <p:cNvPr id="1045696570" name="TextBox 6"/>
-          <p:cNvSpPr txBox="1"/>
-          <p:nvPr/>
-        </p:nvSpPr>
-        <p:spPr bwMode="auto">
-          <a:xfrm rot="0" flipH="0" flipV="0">
-            <a:off x="581142" y="9443439"/>
-            <a:ext cx="3417258" cy="782425"/>
-          </a:xfrm>
-          <a:prstGeom prst="rect">
-            <a:avLst/>
-          </a:prstGeom>
-        </p:spPr>
-        <p:txBody>
-          <a:bodyPr lIns="0" tIns="0" rIns="0" bIns="0" rtlCol="0" anchor="t">
-            <a:spAutoFit/>
-          </a:bodyPr>
-          <a:lstStyle/>
-          <a:p>
-            <a:pPr algn="ctr">
-              <a:lnSpc>
-                <a:spcPts val="6157"/>
-              </a:lnSpc>
-              <a:defRPr/>
-            </a:pPr>
-            <a:r>
-              <a:rPr lang="en-US" sz="2600" b="0">
-                <a:solidFill>
-                  <a:schemeClr val="bg1"/>
-                </a:solidFill>
-                <a:latin typeface="Agave"/>
-                <a:ea typeface="Agave"/>
-                <a:cs typeface="Agave"/>
-              </a:rPr>
-              <a:t>Health and Happiness</a:t>
-            </a:r>
-            <a:endParaRPr sz="2600" b="0">
-              <a:solidFill>
-                <a:schemeClr val="bg1"/>
-              </a:solidFill>
-              <a:latin typeface="Tinos"/>
-              <a:cs typeface="Tinos"/>
             </a:endParaRPr>
           </a:p>
         </p:txBody>
@@ -5789,6 +5837,102 @@
               <a:latin typeface="Tinos"/>
               <a:cs typeface="Tinos"/>
             </a:endParaRPr>
+          </a:p>
+        </p:txBody>
+      </p:sp>
+      <p:sp>
+        <p:nvSpPr>
+          <p:cNvPr id="1130362054" name="TextBox 6"/>
+          <p:cNvSpPr txBox="1"/>
+          <p:nvPr/>
+        </p:nvSpPr>
+        <p:spPr bwMode="auto">
+          <a:xfrm rot="0" flipH="0" flipV="0">
+            <a:off x="501507" y="9279210"/>
+            <a:ext cx="4016785" cy="782298"/>
+          </a:xfrm>
+          <a:prstGeom prst="rect">
+            <a:avLst/>
+          </a:prstGeom>
+        </p:spPr>
+        <p:txBody>
+          <a:bodyPr lIns="0" tIns="0" rIns="0" bIns="0" rtlCol="0" anchor="t">
+            <a:spAutoFit/>
+          </a:bodyPr>
+          <a:lstStyle/>
+          <a:p>
+            <a:pPr algn="ctr">
+              <a:lnSpc>
+                <a:spcPts val="6156"/>
+              </a:lnSpc>
+              <a:defRPr/>
+            </a:pPr>
+            <a:r>
+              <a:rPr lang="en-US" sz="2600" b="0">
+                <a:solidFill>
+                  <a:schemeClr val="bg1"/>
+                </a:solidFill>
+                <a:latin typeface="Agave"/>
+                <a:ea typeface="Agave"/>
+                <a:cs typeface="Agave"/>
+              </a:rPr>
+              <a:t>Counsels on Lifestyle</a:t>
+            </a:r>
+            <a:endParaRPr sz="2600" b="0">
+              <a:solidFill>
+                <a:schemeClr val="bg1"/>
+              </a:solidFill>
+              <a:latin typeface="Tinos"/>
+              <a:cs typeface="Tinos"/>
+            </a:endParaRPr>
+          </a:p>
+        </p:txBody>
+      </p:sp>
+      <p:sp>
+        <p:nvSpPr>
+          <p:cNvPr id="657739609" name=""/>
+          <p:cNvSpPr/>
+          <p:nvPr/>
+        </p:nvSpPr>
+        <p:spPr bwMode="auto">
+          <a:xfrm flipH="0" flipV="0">
+            <a:off x="25439" y="0"/>
+            <a:ext cx="10247583" cy="10286997"/>
+          </a:xfrm>
+          <a:prstGeom prst="rect">
+            <a:avLst/>
+          </a:prstGeom>
+          <a:noFill/>
+          <a:ln w="57150" cap="flat" cmpd="sng" algn="ctr">
+            <a:solidFill>
+              <a:schemeClr val="bg1"/>
+            </a:solidFill>
+            <a:prstDash val="solid"/>
+          </a:ln>
+        </p:spPr>
+        <p:style>
+          <a:lnRef idx="2">
+            <a:schemeClr val="accent1">
+              <a:shade val="50000"/>
+            </a:schemeClr>
+          </a:lnRef>
+          <a:fillRef idx="1">
+            <a:schemeClr val="accent1"/>
+          </a:fillRef>
+          <a:effectRef idx="0">
+            <a:schemeClr val="accent1"/>
+          </a:effectRef>
+          <a:fontRef idx="minor">
+            <a:schemeClr val="lt1"/>
+          </a:fontRef>
+        </p:style>
+        <p:txBody>
+          <a:bodyPr/>
+          <a:p>
+            <a:pPr>
+              <a:defRPr/>
+            </a:pPr>
+            <a:endParaRPr/>
           </a:p>
         </p:txBody>
       </p:sp>

--- a/posts/1/slides.pptx
+++ b/posts/1/slides.pptx
@@ -3945,54 +3945,6 @@
           </a:fontRef>
         </p:style>
       </p:sp>
-      <p:sp>
-        <p:nvSpPr>
-          <p:cNvPr id="2049656921" name="TextBox 6"/>
-          <p:cNvSpPr txBox="1"/>
-          <p:nvPr/>
-        </p:nvSpPr>
-        <p:spPr bwMode="auto">
-          <a:xfrm rot="0" flipH="0" flipV="0">
-            <a:off x="-427813" y="163460"/>
-            <a:ext cx="11214921" cy="782552"/>
-          </a:xfrm>
-          <a:prstGeom prst="rect">
-            <a:avLst/>
-          </a:prstGeom>
-        </p:spPr>
-        <p:txBody>
-          <a:bodyPr lIns="0" tIns="0" rIns="0" bIns="0" rtlCol="0" anchor="t">
-            <a:spAutoFit/>
-          </a:bodyPr>
-          <a:lstStyle/>
-          <a:p>
-            <a:pPr algn="ctr">
-              <a:lnSpc>
-                <a:spcPts val="6159"/>
-              </a:lnSpc>
-              <a:defRPr/>
-            </a:pPr>
-            <a:r>
-              <a:rPr lang="en-US" sz="2600" b="0">
-                <a:solidFill>
-                  <a:schemeClr val="bg1"/>
-                </a:solidFill>
-                <a:latin typeface="Agave"/>
-                <a:ea typeface="Agave"/>
-                <a:cs typeface="Agave"/>
-              </a:rPr>
-              <a:t>Lower Glycemic Loads Means Lower Cardiovascular Disease Risk</a:t>
-            </a:r>
-            <a:endParaRPr sz="2600" b="0">
-              <a:solidFill>
-                <a:schemeClr val="bg1"/>
-              </a:solidFill>
-              <a:latin typeface="Tinos"/>
-              <a:cs typeface="Tinos"/>
-            </a:endParaRPr>
-          </a:p>
-        </p:txBody>
-      </p:sp>
       <p:pic>
         <p:nvPicPr>
           <p:cNvPr id="1181590362" name=""/>
@@ -4393,8 +4345,8 @@
         </p:nvSpPr>
         <p:spPr bwMode="auto">
           <a:xfrm rot="16199969" flipH="0" flipV="0">
-            <a:off x="-1779197" y="4811119"/>
-            <a:ext cx="5159287" cy="427079"/>
+            <a:off x="-1934249" y="4657506"/>
+            <a:ext cx="5472270" cy="427079"/>
           </a:xfrm>
           <a:prstGeom prst="rect">
             <a:avLst/>
@@ -4420,7 +4372,7 @@
                 <a:ea typeface="Agave"/>
                 <a:cs typeface="Agave"/>
               </a:rPr>
-              <a:t>Risk of Cardiovascular Disease</a:t>
+              <a:t>Risk of Cardiovascular Disease (CVD)</a:t>
             </a:r>
             <a:endParaRPr sz="2200">
               <a:solidFill>
@@ -4678,6 +4630,54 @@
               <a:defRPr/>
             </a:pPr>
             <a:endParaRPr/>
+          </a:p>
+        </p:txBody>
+      </p:sp>
+      <p:sp>
+        <p:nvSpPr>
+          <p:cNvPr id="423228420" name="TextBox 6"/>
+          <p:cNvSpPr txBox="1"/>
+          <p:nvPr/>
+        </p:nvSpPr>
+        <p:spPr bwMode="auto">
+          <a:xfrm rot="0" flipH="0" flipV="0">
+            <a:off x="-427812" y="163459"/>
+            <a:ext cx="11249838" cy="782552"/>
+          </a:xfrm>
+          <a:prstGeom prst="rect">
+            <a:avLst/>
+          </a:prstGeom>
+        </p:spPr>
+        <p:txBody>
+          <a:bodyPr lIns="0" tIns="0" rIns="0" bIns="0" rtlCol="0" anchor="t">
+            <a:spAutoFit/>
+          </a:bodyPr>
+          <a:lstStyle/>
+          <a:p>
+            <a:pPr algn="ctr">
+              <a:lnSpc>
+                <a:spcPts val="6158"/>
+              </a:lnSpc>
+              <a:defRPr/>
+            </a:pPr>
+            <a:r>
+              <a:rPr lang="en-US" sz="2400" b="0">
+                <a:solidFill>
+                  <a:schemeClr val="bg1"/>
+                </a:solidFill>
+                <a:latin typeface="Agave"/>
+                <a:ea typeface="Agave"/>
+                <a:cs typeface="Agave"/>
+              </a:rPr>
+              <a:t>Refined Sugars means Higher Cardiovascular Disease Risk (CVD)</a:t>
+            </a:r>
+            <a:endParaRPr sz="2600" b="0">
+              <a:solidFill>
+                <a:schemeClr val="bg1"/>
+              </a:solidFill>
+              <a:latin typeface="Tinos"/>
+              <a:cs typeface="Tinos"/>
+            </a:endParaRPr>
           </a:p>
         </p:txBody>
       </p:sp>
@@ -4822,7 +4822,7 @@
         <p:spPr bwMode="auto">
           <a:xfrm flipH="0" flipV="0">
             <a:off x="1028691" y="1785078"/>
-            <a:ext cx="8483192" cy="7772759"/>
+            <a:ext cx="8500471" cy="7772759"/>
           </a:xfrm>
           <a:prstGeom prst="rect">
             <a:avLst/>
@@ -4840,13 +4840,24 @@
             <a:r>
               <a:rPr lang="en-US" sz="2600" b="0" i="0" u="none" strike="noStrike" cap="none" spc="0">
                 <a:solidFill>
-                  <a:schemeClr val="bg1"/>
+                  <a:srgbClr val="00B0F0"/>
                 </a:solidFill>
                 <a:latin typeface="Agave"/>
                 <a:ea typeface="Agave"/>
                 <a:cs typeface="Agave"/>
               </a:rPr>
-              <a:t>Glycemic Load means how quickly a food increases your blood sugar.</a:t>
+              <a:t>Glycemic Load</a:t>
+            </a:r>
+            <a:r>
+              <a:rPr lang="en-US" sz="2600" b="0" i="0" u="none" strike="noStrike" cap="none" spc="0">
+                <a:solidFill>
+                  <a:schemeClr val="bg1"/>
+                </a:solidFill>
+                <a:latin typeface="Agave"/>
+                <a:ea typeface="Agave"/>
+                <a:cs typeface="Agave"/>
+              </a:rPr>
+              <a:t> means how quickly a food increases your blood sugar.</a:t>
             </a:r>
             <a:endParaRPr lang="en-US" sz="2600" b="0" i="0" u="none" strike="noStrike" cap="none" spc="0">
               <a:solidFill>
@@ -4866,63 +4877,7 @@
                 <a:schemeClr val="bg1"/>
               </a:solidFill>
               <a:latin typeface="Agave"/>
-              <a:cs typeface="Agave"/>
-            </a:endParaRPr>
-          </a:p>
-          <a:p>
-            <a:pPr>
-              <a:defRPr/>
-            </a:pPr>
-            <a:r>
-              <a:rPr lang="en-US" sz="2600" b="0" i="0" u="none" strike="noStrike" cap="none" spc="0">
-                <a:solidFill>
-                  <a:schemeClr val="bg1"/>
-                </a:solidFill>
-                <a:latin typeface="Agave"/>
-                <a:ea typeface="Agave"/>
-                <a:cs typeface="Agave"/>
-              </a:rPr>
-              <a:t>Foods like </a:t>
-            </a:r>
-            <a:r>
-              <a:rPr lang="en-US" sz="2600" b="0" i="0" u="none" strike="noStrike" cap="none" spc="0">
-                <a:solidFill>
-                  <a:srgbClr val="92D050"/>
-                </a:solidFill>
-                <a:latin typeface="Agave"/>
-                <a:ea typeface="Agave"/>
-                <a:cs typeface="Agave"/>
-              </a:rPr>
-              <a:t>added sugar, candy, white flour, white rice and breakfast meal and drinks with added sugar</a:t>
-            </a:r>
-            <a:r>
-              <a:rPr lang="en-US" sz="2600" b="0" i="0" u="none" strike="noStrike" cap="none" spc="0">
-                <a:solidFill>
-                  <a:schemeClr val="bg1"/>
-                </a:solidFill>
-                <a:latin typeface="Agave"/>
-                <a:ea typeface="Agave"/>
-                <a:cs typeface="Agave"/>
-              </a:rPr>
-              <a:t> have a higher glycemic load than fruits and whole foods.</a:t>
-            </a:r>
-            <a:endParaRPr lang="en-US" sz="2600" b="0" i="0" u="none" strike="noStrike" cap="none" spc="0">
-              <a:solidFill>
-                <a:schemeClr val="bg1"/>
-              </a:solidFill>
-              <a:latin typeface="Agave"/>
-              <a:cs typeface="Agave"/>
-            </a:endParaRPr>
-          </a:p>
-          <a:p>
-            <a:pPr>
-              <a:defRPr/>
-            </a:pPr>
-            <a:endParaRPr lang="en-US" sz="2600" b="0" i="0" u="none" strike="noStrike" cap="none" spc="0">
-              <a:solidFill>
-                <a:schemeClr val="bg1"/>
-              </a:solidFill>
-              <a:latin typeface="Agave"/>
+              <a:ea typeface="Agave"/>
               <a:cs typeface="Agave"/>
             </a:endParaRPr>
           </a:p>
@@ -4955,13 +4910,24 @@
             <a:r>
               <a:rPr lang="en-US" sz="2600" b="0" i="0" u="none" strike="noStrike" cap="none" spc="0">
                 <a:solidFill>
-                  <a:srgbClr val="92D050"/>
+                  <a:srgbClr val="FFC000"/>
                 </a:solidFill>
                 <a:latin typeface="Agave"/>
                 <a:ea typeface="Agave"/>
                 <a:cs typeface="Agave"/>
               </a:rPr>
-              <a:t>refined carbs like white flour increases the risk of </a:t>
+              <a:t>refined carbs</a:t>
+            </a:r>
+            <a:r>
+              <a:rPr lang="en-US" sz="2600" b="0" i="0" u="none" strike="noStrike" cap="none" spc="0">
+                <a:solidFill>
+                  <a:srgbClr val="92D050"/>
+                </a:solidFill>
+                <a:latin typeface="Agave"/>
+                <a:ea typeface="Agave"/>
+                <a:cs typeface="Agave"/>
+              </a:rPr>
+              <a:t> like white flour increases the risk of </a:t>
             </a:r>
             <a:r>
               <a:rPr lang="en-US" sz="2600" b="0" i="0" u="none" strike="noStrike" cap="none" spc="0">
@@ -4995,6 +4961,107 @@
             </a:endParaRPr>
           </a:p>
           <a:p>
+            <a:pPr>
+              <a:defRPr/>
+            </a:pPr>
+            <a:endParaRPr lang="en-US" sz="2600" b="0" i="0" u="none" strike="noStrike" cap="none" spc="0">
+              <a:solidFill>
+                <a:schemeClr val="bg1"/>
+              </a:solidFill>
+              <a:latin typeface="Agave"/>
+              <a:cs typeface="Agave"/>
+            </a:endParaRPr>
+          </a:p>
+          <a:p>
+            <a:pPr>
+              <a:defRPr/>
+            </a:pPr>
+            <a:r>
+              <a:rPr lang="en-US" sz="2600" b="0" i="0" u="none" strike="noStrike" cap="none" spc="0">
+                <a:solidFill>
+                  <a:schemeClr val="bg1"/>
+                </a:solidFill>
+                <a:latin typeface="Agave"/>
+                <a:ea typeface="Agave"/>
+                <a:cs typeface="Agave"/>
+              </a:rPr>
+              <a:t>Foods like </a:t>
+            </a:r>
+            <a:r>
+              <a:rPr lang="en-US" sz="2600" b="0" i="0" u="none" strike="noStrike" cap="none" spc="0">
+                <a:solidFill>
+                  <a:srgbClr val="FFC000"/>
+                </a:solidFill>
+                <a:latin typeface="Agave"/>
+                <a:ea typeface="Agave"/>
+                <a:cs typeface="Agave"/>
+              </a:rPr>
+              <a:t>added sugar, candy, white flour, white rice and breakfast meal and drinks with added sugar</a:t>
+            </a:r>
+            <a:r>
+              <a:rPr lang="en-US" sz="2600" b="0" i="0" u="none" strike="noStrike" cap="none" spc="0">
+                <a:solidFill>
+                  <a:schemeClr val="bg1"/>
+                </a:solidFill>
+                <a:latin typeface="Agave"/>
+                <a:ea typeface="Agave"/>
+                <a:cs typeface="Agave"/>
+              </a:rPr>
+              <a:t> have a </a:t>
+            </a:r>
+            <a:r>
+              <a:rPr lang="en-US" sz="2600" b="0" i="0" u="none" strike="noStrike" cap="none" spc="0">
+                <a:solidFill>
+                  <a:srgbClr val="00B0F0"/>
+                </a:solidFill>
+                <a:latin typeface="Agave"/>
+                <a:ea typeface="Agave"/>
+                <a:cs typeface="Agave"/>
+              </a:rPr>
+              <a:t>higher glycemic load</a:t>
+            </a:r>
+            <a:r>
+              <a:rPr lang="en-US" sz="2600" b="0" i="0" u="none" strike="noStrike" cap="none" spc="0">
+                <a:solidFill>
+                  <a:schemeClr val="bg1"/>
+                </a:solidFill>
+                <a:latin typeface="Agave"/>
+                <a:ea typeface="Agave"/>
+                <a:cs typeface="Agave"/>
+              </a:rPr>
+              <a:t> than </a:t>
+            </a:r>
+            <a:r>
+              <a:rPr lang="en-US" sz="2600" b="0" i="0" u="none" strike="noStrike" cap="none" spc="0">
+                <a:solidFill>
+                  <a:srgbClr val="92D050"/>
+                </a:solidFill>
+                <a:latin typeface="Agave"/>
+                <a:ea typeface="Agave"/>
+                <a:cs typeface="Agave"/>
+              </a:rPr>
+              <a:t>natural foods like fruits and whole foods</a:t>
+            </a:r>
+            <a:r>
+              <a:rPr lang="en-US" sz="2600" b="0" i="0" u="none" strike="noStrike" cap="none" spc="0">
+                <a:solidFill>
+                  <a:schemeClr val="bg1"/>
+                </a:solidFill>
+                <a:latin typeface="Agave"/>
+                <a:ea typeface="Agave"/>
+                <a:cs typeface="Agave"/>
+              </a:rPr>
+              <a:t>.</a:t>
+            </a:r>
+            <a:endParaRPr lang="en-US" sz="2600" b="0" i="0" u="none" strike="noStrike" cap="none" spc="0">
+              <a:solidFill>
+                <a:schemeClr val="bg1"/>
+              </a:solidFill>
+              <a:latin typeface="Agave"/>
+              <a:cs typeface="Agave"/>
+            </a:endParaRPr>
+          </a:p>
+          <a:p>
             <a:pPr algn="l">
               <a:defRPr/>
             </a:pPr>
@@ -5086,64 +5153,6 @@
               </a:solidFill>
               <a:latin typeface="Agave"/>
               <a:cs typeface="Agave"/>
-            </a:endParaRPr>
-          </a:p>
-        </p:txBody>
-      </p:sp>
-      <p:sp>
-        <p:nvSpPr>
-          <p:cNvPr id="207176182" name="TextBox 6"/>
-          <p:cNvSpPr txBox="1"/>
-          <p:nvPr/>
-        </p:nvSpPr>
-        <p:spPr bwMode="auto">
-          <a:xfrm rot="0" flipH="0" flipV="0">
-            <a:off x="-291594" y="163460"/>
-            <a:ext cx="10969761" cy="1056872"/>
-          </a:xfrm>
-          <a:prstGeom prst="rect">
-            <a:avLst/>
-          </a:prstGeom>
-        </p:spPr>
-        <p:txBody>
-          <a:bodyPr lIns="0" tIns="0" rIns="0" bIns="0" rtlCol="0" anchor="t">
-            <a:spAutoFit/>
-          </a:bodyPr>
-          <a:lstStyle/>
-          <a:p>
-            <a:pPr algn="ctr">
-              <a:lnSpc>
-                <a:spcPts val="6158"/>
-              </a:lnSpc>
-              <a:defRPr/>
-            </a:pPr>
-            <a:r>
-              <a:rPr lang="en-US" sz="2600" b="0" i="0" u="none" strike="noStrike" cap="none" spc="0">
-                <a:solidFill>
-                  <a:schemeClr val="bg1"/>
-                </a:solidFill>
-                <a:latin typeface="Agave"/>
-                <a:ea typeface="Agave"/>
-                <a:cs typeface="Agave"/>
-              </a:rPr>
-              <a:t>Lower Glycemic Loads Means Lower Cardiovascular Disease Risk</a:t>
-            </a:r>
-            <a:endParaRPr sz="2600" b="0">
-              <a:solidFill>
-                <a:schemeClr val="bg1"/>
-              </a:solidFill>
-              <a:latin typeface="Tinos"/>
-              <a:cs typeface="Tinos"/>
-            </a:endParaRPr>
-          </a:p>
-          <a:p>
-            <a:pPr>
-              <a:defRPr/>
-            </a:pPr>
-            <a:endParaRPr>
-              <a:solidFill>
-                <a:schemeClr val="bg1"/>
-              </a:solidFill>
             </a:endParaRPr>
           </a:p>
         </p:txBody>
@@ -5306,6 +5315,54 @@
               <a:defRPr/>
             </a:pPr>
             <a:endParaRPr/>
+          </a:p>
+        </p:txBody>
+      </p:sp>
+      <p:sp>
+        <p:nvSpPr>
+          <p:cNvPr id="1841081963" name="TextBox 6"/>
+          <p:cNvSpPr txBox="1"/>
+          <p:nvPr/>
+        </p:nvSpPr>
+        <p:spPr bwMode="auto">
+          <a:xfrm rot="0" flipH="0" flipV="0">
+            <a:off x="-427812" y="163459"/>
+            <a:ext cx="11250198" cy="782552"/>
+          </a:xfrm>
+          <a:prstGeom prst="rect">
+            <a:avLst/>
+          </a:prstGeom>
+        </p:spPr>
+        <p:txBody>
+          <a:bodyPr lIns="0" tIns="0" rIns="0" bIns="0" rtlCol="0" anchor="t">
+            <a:spAutoFit/>
+          </a:bodyPr>
+          <a:lstStyle/>
+          <a:p>
+            <a:pPr algn="ctr">
+              <a:lnSpc>
+                <a:spcPts val="6158"/>
+              </a:lnSpc>
+              <a:defRPr/>
+            </a:pPr>
+            <a:r>
+              <a:rPr lang="en-US" sz="2400" b="0">
+                <a:solidFill>
+                  <a:schemeClr val="bg1"/>
+                </a:solidFill>
+                <a:latin typeface="Agave"/>
+                <a:ea typeface="Agave"/>
+                <a:cs typeface="Agave"/>
+              </a:rPr>
+              <a:t>Refined Sugars means Higher Cardiovascular Disease Risk (CVD)</a:t>
+            </a:r>
+            <a:endParaRPr sz="2600" b="0">
+              <a:solidFill>
+                <a:schemeClr val="bg1"/>
+              </a:solidFill>
+              <a:latin typeface="Tinos"/>
+              <a:cs typeface="Tinos"/>
+            </a:endParaRPr>
           </a:p>
         </p:txBody>
       </p:sp>
@@ -5449,8 +5506,8 @@
         </p:nvSpPr>
         <p:spPr bwMode="auto">
           <a:xfrm flipH="0" flipV="0">
-            <a:off x="1004102" y="1869804"/>
-            <a:ext cx="8254592" cy="7224119"/>
+            <a:off x="1004100" y="1869804"/>
+            <a:ext cx="8259270" cy="7224119"/>
           </a:xfrm>
           <a:prstGeom prst="rect">
             <a:avLst/>
@@ -5468,7 +5525,7 @@
             <a:r>
               <a:rPr lang="en-US" sz="2600" b="0" i="0" u="none" strike="noStrike" cap="none" spc="0">
                 <a:solidFill>
-                  <a:srgbClr val="92D050"/>
+                  <a:srgbClr val="00B0F0"/>
                 </a:solidFill>
                 <a:latin typeface="Agave"/>
                 <a:ea typeface="Agave"/>
@@ -5485,7 +5542,29 @@
                 <a:ea typeface="Agave"/>
                 <a:cs typeface="Agave"/>
               </a:rPr>
-              <a:t> is ordinarily used in food. Cakes, sweet puddings, pastries, jellies, jams, </a:t>
+              <a:t> is ordinarily used i</a:t>
+            </a:r>
+            <a:r>
+              <a:rPr lang="en-US" sz="2600" b="0" i="0" u="none" strike="noStrike" cap="none" spc="0">
+                <a:solidFill>
+                  <a:srgbClr val="92D050"/>
+                </a:solidFill>
+                <a:latin typeface="Agave"/>
+                <a:ea typeface="Agave"/>
+                <a:cs typeface="Agave"/>
+              </a:rPr>
+              <a:t>n food. Cakes, sweet puddings, pastries, jellies, jams</a:t>
+            </a:r>
+            <a:r>
+              <a:rPr lang="en-US" sz="2600" b="0" i="0" u="none" strike="noStrike" cap="none" spc="0">
+                <a:solidFill>
+                  <a:schemeClr val="bg1"/>
+                </a:solidFill>
+                <a:latin typeface="Agave"/>
+                <a:ea typeface="Agave"/>
+                <a:cs typeface="Agave"/>
+              </a:rPr>
+              <a:t>, </a:t>
             </a:r>
             <a:endParaRPr sz="2600" b="0" i="0" u="none" strike="noStrike" cap="none" spc="0">
               <a:solidFill>
@@ -5515,7 +5594,7 @@
             <a:r>
               <a:rPr lang="en-US" sz="2600" b="0" i="0" u="none" strike="noStrike" cap="none" spc="0">
                 <a:solidFill>
-                  <a:schemeClr val="bg1"/>
+                  <a:srgbClr val="00B0F0"/>
                 </a:solidFill>
                 <a:latin typeface="Agave"/>
                 <a:ea typeface="Agave"/>
@@ -5526,13 +5605,13 @@
             <a:r>
               <a:rPr lang="en-US" sz="2600" b="0" i="0" u="none" strike="noStrike" cap="none" spc="0">
                 <a:solidFill>
-                  <a:schemeClr val="bg1"/>
+                  <a:srgbClr val="00B0F0"/>
                 </a:solidFill>
                 <a:latin typeface="Agave"/>
                 <a:ea typeface="Agave"/>
                 <a:cs typeface="Agave"/>
               </a:rPr>
-              <a:t>does not impart to the system the nourishment that is to be found in </a:t>
+              <a:t>does not impart to the system the nourishment</a:t>
             </a:r>
             <a:r>
               <a:rPr lang="en-US" sz="2600" b="0" i="0" u="none" strike="noStrike" cap="none" spc="0">
@@ -5543,12 +5622,45 @@
                 <a:ea typeface="Agave"/>
                 <a:cs typeface="Agave"/>
               </a:rPr>
-              <a:t>unbolted-wheat bread. </a:t>
+              <a:t> that is to be </a:t>
             </a:r>
             <a:r>
               <a:rPr lang="en-US" sz="2600" b="0" i="0" u="none" strike="noStrike" cap="none" spc="0">
                 <a:solidFill>
                   <a:srgbClr val="92D050"/>
+                </a:solidFill>
+                <a:latin typeface="Agave"/>
+                <a:ea typeface="Agave"/>
+                <a:cs typeface="Agave"/>
+              </a:rPr>
+              <a:t>found in </a:t>
+            </a:r>
+            <a:r>
+              <a:rPr lang="en-US" sz="2600" b="0" i="0" u="none" strike="noStrike" cap="none" spc="0">
+                <a:solidFill>
+                  <a:srgbClr val="92D050"/>
+                </a:solidFill>
+                <a:latin typeface="Agave"/>
+                <a:ea typeface="Agave"/>
+                <a:cs typeface="Agave"/>
+              </a:rPr>
+              <a:t>unbolted-wheat bread.</a:t>
+            </a:r>
+            <a:r>
+              <a:rPr lang="en-US" sz="2600" b="0" i="0" u="none" strike="noStrike" cap="none" spc="0">
+                <a:solidFill>
+                  <a:schemeClr val="bg1"/>
+                </a:solidFill>
+                <a:latin typeface="Agave"/>
+                <a:ea typeface="Agave"/>
+                <a:cs typeface="Agave"/>
+              </a:rPr>
+              <a:t> </a:t>
+            </a:r>
+            <a:r>
+              <a:rPr lang="en-US" sz="2600" b="0" i="0" u="none" strike="noStrike" cap="none" spc="0">
+                <a:solidFill>
+                  <a:srgbClr val="FFC000"/>
                 </a:solidFill>
                 <a:latin typeface="Agave"/>
                 <a:ea typeface="Agave"/>
@@ -5559,7 +5671,7 @@
             <a:r>
               <a:rPr lang="en-US" sz="2600" b="0" i="0" u="none" strike="noStrike" cap="none" spc="0">
                 <a:solidFill>
-                  <a:srgbClr val="92D050"/>
+                  <a:srgbClr val="FFC000"/>
                 </a:solidFill>
                 <a:latin typeface="Agave"/>
                 <a:ea typeface="Agave"/>
@@ -5613,18 +5725,18 @@
                 <a:ea typeface="Agave"/>
                 <a:cs typeface="Agave"/>
               </a:rPr>
-              <a:t>For use in bread-making, </a:t>
+              <a:t>Grains, fruits, nuts, and vegetables constitute the diet chosen for us by our Creator. These foods, prepared in as </a:t>
             </a:r>
             <a:r>
               <a:rPr lang="en-US" sz="2600" b="0" i="0" u="none" strike="noStrike" cap="none" spc="0">
                 <a:solidFill>
-                  <a:srgbClr val="92D050"/>
+                  <a:srgbClr val="00B0F0"/>
                 </a:solidFill>
                 <a:latin typeface="Agave"/>
                 <a:ea typeface="Agave"/>
                 <a:cs typeface="Agave"/>
               </a:rPr>
-              <a:t>the superfine white flour is not the best</a:t>
+              <a:t>simple and natural a manner as possible</a:t>
             </a:r>
             <a:r>
               <a:rPr lang="en-US" sz="2600" b="0" i="0" u="none" strike="noStrike" cap="none" spc="0">
@@ -5635,7 +5747,7 @@
                 <a:ea typeface="Agave"/>
                 <a:cs typeface="Agave"/>
               </a:rPr>
-              <a:t>. Its use is neither healthful nor economical. </a:t>
+              <a:t>, are the </a:t>
             </a:r>
             <a:r>
               <a:rPr lang="en-US" sz="2600" b="0" i="0" u="none" strike="noStrike" cap="none" spc="0">
@@ -5646,7 +5758,7 @@
                 <a:ea typeface="Agave"/>
                 <a:cs typeface="Agave"/>
               </a:rPr>
-              <a:t>Fine-flour bread is lacking in nutritive elements to be found in bread made from the whole wheat</a:t>
+              <a:t>most healthful and nourishing</a:t>
             </a:r>
             <a:r>
               <a:rPr lang="en-US" sz="2600" b="0" i="0" u="none" strike="noStrike" cap="none" spc="0">
@@ -5657,7 +5769,29 @@
                 <a:ea typeface="Agave"/>
                 <a:cs typeface="Agave"/>
               </a:rPr>
-              <a:t>. It is a frequent cause of constipation and other unhealthful conditions.</a:t>
+              <a:t>. They impart a strength, a power of endurance, and a vigor of intellect that </a:t>
+            </a:r>
+            <a:r>
+              <a:rPr lang="en-US" sz="2600" b="0" i="0" u="none" strike="noStrike" cap="none" spc="0">
+                <a:solidFill>
+                  <a:srgbClr val="FFC000"/>
+                </a:solidFill>
+                <a:latin typeface="Agave"/>
+                <a:ea typeface="Agave"/>
+                <a:cs typeface="Agave"/>
+              </a:rPr>
+              <a:t>are not afforded by a more complex and stimulating diet</a:t>
+            </a:r>
+            <a:r>
+              <a:rPr lang="en-US" sz="2600" b="0" i="0" u="none" strike="noStrike" cap="none" spc="0">
+                <a:solidFill>
+                  <a:schemeClr val="bg1"/>
+                </a:solidFill>
+                <a:latin typeface="Agave"/>
+                <a:ea typeface="Agave"/>
+                <a:cs typeface="Agave"/>
+              </a:rPr>
+              <a:t>.</a:t>
             </a:r>
             <a:endParaRPr lang="en-US" sz="2600" b="0" i="0" u="none" strike="noStrike" cap="none" spc="0">
               <a:solidFill>
@@ -5677,6 +5811,7 @@
                 <a:schemeClr val="bg1"/>
               </a:solidFill>
               <a:latin typeface="Agave"/>
+              <a:ea typeface="Agave"/>
               <a:cs typeface="Agave"/>
             </a:endParaRPr>
           </a:p>
@@ -5713,64 +5848,6 @@
               </a:solidFill>
               <a:latin typeface="Agave"/>
               <a:cs typeface="Agave"/>
-            </a:endParaRPr>
-          </a:p>
-        </p:txBody>
-      </p:sp>
-      <p:sp>
-        <p:nvSpPr>
-          <p:cNvPr id="650904954" name="TextBox 6"/>
-          <p:cNvSpPr txBox="1"/>
-          <p:nvPr/>
-        </p:nvSpPr>
-        <p:spPr bwMode="auto">
-          <a:xfrm rot="0" flipH="0" flipV="0">
-            <a:off x="-291594" y="163460"/>
-            <a:ext cx="10969761" cy="1056872"/>
-          </a:xfrm>
-          <a:prstGeom prst="rect">
-            <a:avLst/>
-          </a:prstGeom>
-        </p:spPr>
-        <p:txBody>
-          <a:bodyPr lIns="0" tIns="0" rIns="0" bIns="0" rtlCol="0" anchor="t">
-            <a:spAutoFit/>
-          </a:bodyPr>
-          <a:lstStyle/>
-          <a:p>
-            <a:pPr algn="ctr">
-              <a:lnSpc>
-                <a:spcPts val="6158"/>
-              </a:lnSpc>
-              <a:defRPr/>
-            </a:pPr>
-            <a:r>
-              <a:rPr lang="en-US" sz="2600" b="0" i="0" u="none" strike="noStrike" cap="none" spc="0">
-                <a:solidFill>
-                  <a:schemeClr val="bg1"/>
-                </a:solidFill>
-                <a:latin typeface="Agave"/>
-                <a:ea typeface="Agave"/>
-                <a:cs typeface="Agave"/>
-              </a:rPr>
-              <a:t>Lower Glycemic Loads Means Lower Cardiovascular Disease Risk</a:t>
-            </a:r>
-            <a:endParaRPr sz="2600" b="0">
-              <a:solidFill>
-                <a:schemeClr val="bg1"/>
-              </a:solidFill>
-              <a:latin typeface="Tinos"/>
-              <a:cs typeface="Tinos"/>
-            </a:endParaRPr>
-          </a:p>
-          <a:p>
-            <a:pPr>
-              <a:defRPr/>
-            </a:pPr>
-            <a:endParaRPr>
-              <a:solidFill>
-                <a:schemeClr val="bg1"/>
-              </a:solidFill>
             </a:endParaRPr>
           </a:p>
         </p:txBody>
@@ -5933,6 +6010,54 @@
               <a:defRPr/>
             </a:pPr>
             <a:endParaRPr/>
+          </a:p>
+        </p:txBody>
+      </p:sp>
+      <p:sp>
+        <p:nvSpPr>
+          <p:cNvPr id="910733129" name="TextBox 6"/>
+          <p:cNvSpPr txBox="1"/>
+          <p:nvPr/>
+        </p:nvSpPr>
+        <p:spPr bwMode="auto">
+          <a:xfrm rot="0" flipH="0" flipV="0">
+            <a:off x="-427812" y="163459"/>
+            <a:ext cx="11250198" cy="782552"/>
+          </a:xfrm>
+          <a:prstGeom prst="rect">
+            <a:avLst/>
+          </a:prstGeom>
+        </p:spPr>
+        <p:txBody>
+          <a:bodyPr lIns="0" tIns="0" rIns="0" bIns="0" rtlCol="0" anchor="t">
+            <a:spAutoFit/>
+          </a:bodyPr>
+          <a:lstStyle/>
+          <a:p>
+            <a:pPr algn="ctr">
+              <a:lnSpc>
+                <a:spcPts val="6158"/>
+              </a:lnSpc>
+              <a:defRPr/>
+            </a:pPr>
+            <a:r>
+              <a:rPr lang="en-US" sz="2400" b="0">
+                <a:solidFill>
+                  <a:schemeClr val="bg1"/>
+                </a:solidFill>
+                <a:latin typeface="Agave"/>
+                <a:ea typeface="Agave"/>
+                <a:cs typeface="Agave"/>
+              </a:rPr>
+              <a:t>Refined Sugars means Higher Cardiovascular Disease Risk (CVD)</a:t>
+            </a:r>
+            <a:endParaRPr sz="2600" b="0">
+              <a:solidFill>
+                <a:schemeClr val="bg1"/>
+              </a:solidFill>
+              <a:latin typeface="Tinos"/>
+              <a:cs typeface="Tinos"/>
+            </a:endParaRPr>
           </a:p>
         </p:txBody>
       </p:sp>

--- a/posts/1/slides.pptx
+++ b/posts/1/slides.pptx
@@ -4587,14 +4587,62 @@
       </p:sp>
       <p:sp>
         <p:nvSpPr>
-          <p:cNvPr id="1414792401" name=""/>
+          <p:cNvPr id="423228420" name="TextBox 6"/>
+          <p:cNvSpPr txBox="1"/>
+          <p:nvPr/>
+        </p:nvSpPr>
+        <p:spPr bwMode="auto">
+          <a:xfrm rot="0" flipH="0" flipV="0">
+            <a:off x="-427812" y="163459"/>
+            <a:ext cx="11249838" cy="782552"/>
+          </a:xfrm>
+          <a:prstGeom prst="rect">
+            <a:avLst/>
+          </a:prstGeom>
+        </p:spPr>
+        <p:txBody>
+          <a:bodyPr lIns="0" tIns="0" rIns="0" bIns="0" rtlCol="0" anchor="t">
+            <a:spAutoFit/>
+          </a:bodyPr>
+          <a:lstStyle/>
+          <a:p>
+            <a:pPr algn="ctr">
+              <a:lnSpc>
+                <a:spcPts val="6158"/>
+              </a:lnSpc>
+              <a:defRPr/>
+            </a:pPr>
+            <a:r>
+              <a:rPr lang="en-US" sz="2400" b="0">
+                <a:solidFill>
+                  <a:schemeClr val="bg1"/>
+                </a:solidFill>
+                <a:latin typeface="Agave"/>
+                <a:ea typeface="Agave"/>
+                <a:cs typeface="Agave"/>
+              </a:rPr>
+              <a:t>Refined Sugars means Higher Cardiovascular Disease Risk (CVD)</a:t>
+            </a:r>
+            <a:endParaRPr sz="2600" b="0">
+              <a:solidFill>
+                <a:schemeClr val="bg1"/>
+              </a:solidFill>
+              <a:latin typeface="Tinos"/>
+              <a:cs typeface="Tinos"/>
+            </a:endParaRPr>
+          </a:p>
+        </p:txBody>
+      </p:sp>
+      <p:sp>
+        <p:nvSpPr>
+          <p:cNvPr id="1271627915" name=""/>
           <p:cNvSpPr/>
           <p:nvPr/>
         </p:nvSpPr>
         <p:spPr bwMode="auto">
           <a:xfrm flipH="0" flipV="0">
-            <a:off x="25439" y="0"/>
-            <a:ext cx="10247583" cy="10286997"/>
+            <a:off x="25438" y="0"/>
+            <a:ext cx="10247582" cy="10286996"/>
           </a:xfrm>
           <a:prstGeom prst="rect">
             <a:avLst/>
@@ -4630,54 +4678,6 @@
               <a:defRPr/>
             </a:pPr>
             <a:endParaRPr/>
-          </a:p>
-        </p:txBody>
-      </p:sp>
-      <p:sp>
-        <p:nvSpPr>
-          <p:cNvPr id="423228420" name="TextBox 6"/>
-          <p:cNvSpPr txBox="1"/>
-          <p:nvPr/>
-        </p:nvSpPr>
-        <p:spPr bwMode="auto">
-          <a:xfrm rot="0" flipH="0" flipV="0">
-            <a:off x="-427812" y="163459"/>
-            <a:ext cx="11249838" cy="782552"/>
-          </a:xfrm>
-          <a:prstGeom prst="rect">
-            <a:avLst/>
-          </a:prstGeom>
-        </p:spPr>
-        <p:txBody>
-          <a:bodyPr lIns="0" tIns="0" rIns="0" bIns="0" rtlCol="0" anchor="t">
-            <a:spAutoFit/>
-          </a:bodyPr>
-          <a:lstStyle/>
-          <a:p>
-            <a:pPr algn="ctr">
-              <a:lnSpc>
-                <a:spcPts val="6158"/>
-              </a:lnSpc>
-              <a:defRPr/>
-            </a:pPr>
-            <a:r>
-              <a:rPr lang="en-US" sz="2400" b="0">
-                <a:solidFill>
-                  <a:schemeClr val="bg1"/>
-                </a:solidFill>
-                <a:latin typeface="Agave"/>
-                <a:ea typeface="Agave"/>
-                <a:cs typeface="Agave"/>
-              </a:rPr>
-              <a:t>Refined Sugars means Higher Cardiovascular Disease Risk (CVD)</a:t>
-            </a:r>
-            <a:endParaRPr sz="2600" b="0">
-              <a:solidFill>
-                <a:schemeClr val="bg1"/>
-              </a:solidFill>
-              <a:latin typeface="Tinos"/>
-              <a:cs typeface="Tinos"/>
-            </a:endParaRPr>
           </a:p>
         </p:txBody>
       </p:sp>
@@ -5272,14 +5272,62 @@
       </p:sp>
       <p:sp>
         <p:nvSpPr>
-          <p:cNvPr id="486654365" name=""/>
+          <p:cNvPr id="1841081963" name="TextBox 6"/>
+          <p:cNvSpPr txBox="1"/>
+          <p:nvPr/>
+        </p:nvSpPr>
+        <p:spPr bwMode="auto">
+          <a:xfrm rot="0" flipH="0" flipV="0">
+            <a:off x="-427812" y="163459"/>
+            <a:ext cx="11250198" cy="782552"/>
+          </a:xfrm>
+          <a:prstGeom prst="rect">
+            <a:avLst/>
+          </a:prstGeom>
+        </p:spPr>
+        <p:txBody>
+          <a:bodyPr lIns="0" tIns="0" rIns="0" bIns="0" rtlCol="0" anchor="t">
+            <a:spAutoFit/>
+          </a:bodyPr>
+          <a:lstStyle/>
+          <a:p>
+            <a:pPr algn="ctr">
+              <a:lnSpc>
+                <a:spcPts val="6158"/>
+              </a:lnSpc>
+              <a:defRPr/>
+            </a:pPr>
+            <a:r>
+              <a:rPr lang="en-US" sz="2400" b="0">
+                <a:solidFill>
+                  <a:schemeClr val="bg1"/>
+                </a:solidFill>
+                <a:latin typeface="Agave"/>
+                <a:ea typeface="Agave"/>
+                <a:cs typeface="Agave"/>
+              </a:rPr>
+              <a:t>Refined Sugars means Higher Cardiovascular Disease Risk (CVD)</a:t>
+            </a:r>
+            <a:endParaRPr sz="2600" b="0">
+              <a:solidFill>
+                <a:schemeClr val="bg1"/>
+              </a:solidFill>
+              <a:latin typeface="Tinos"/>
+              <a:cs typeface="Tinos"/>
+            </a:endParaRPr>
+          </a:p>
+        </p:txBody>
+      </p:sp>
+      <p:sp>
+        <p:nvSpPr>
+          <p:cNvPr id="904936249" name=""/>
           <p:cNvSpPr/>
           <p:nvPr/>
         </p:nvSpPr>
         <p:spPr bwMode="auto">
           <a:xfrm flipH="0" flipV="0">
-            <a:off x="25439" y="0"/>
-            <a:ext cx="10247583" cy="10286997"/>
+            <a:off x="25438" y="0"/>
+            <a:ext cx="10247582" cy="10286996"/>
           </a:xfrm>
           <a:prstGeom prst="rect">
             <a:avLst/>
@@ -5315,54 +5363,6 @@
               <a:defRPr/>
             </a:pPr>
             <a:endParaRPr/>
-          </a:p>
-        </p:txBody>
-      </p:sp>
-      <p:sp>
-        <p:nvSpPr>
-          <p:cNvPr id="1841081963" name="TextBox 6"/>
-          <p:cNvSpPr txBox="1"/>
-          <p:nvPr/>
-        </p:nvSpPr>
-        <p:spPr bwMode="auto">
-          <a:xfrm rot="0" flipH="0" flipV="0">
-            <a:off x="-427812" y="163459"/>
-            <a:ext cx="11250198" cy="782552"/>
-          </a:xfrm>
-          <a:prstGeom prst="rect">
-            <a:avLst/>
-          </a:prstGeom>
-        </p:spPr>
-        <p:txBody>
-          <a:bodyPr lIns="0" tIns="0" rIns="0" bIns="0" rtlCol="0" anchor="t">
-            <a:spAutoFit/>
-          </a:bodyPr>
-          <a:lstStyle/>
-          <a:p>
-            <a:pPr algn="ctr">
-              <a:lnSpc>
-                <a:spcPts val="6158"/>
-              </a:lnSpc>
-              <a:defRPr/>
-            </a:pPr>
-            <a:r>
-              <a:rPr lang="en-US" sz="2400" b="0">
-                <a:solidFill>
-                  <a:schemeClr val="bg1"/>
-                </a:solidFill>
-                <a:latin typeface="Agave"/>
-                <a:ea typeface="Agave"/>
-                <a:cs typeface="Agave"/>
-              </a:rPr>
-              <a:t>Refined Sugars means Higher Cardiovascular Disease Risk (CVD)</a:t>
-            </a:r>
-            <a:endParaRPr sz="2600" b="0">
-              <a:solidFill>
-                <a:schemeClr val="bg1"/>
-              </a:solidFill>
-              <a:latin typeface="Tinos"/>
-              <a:cs typeface="Tinos"/>
-            </a:endParaRPr>
           </a:p>
         </p:txBody>
       </p:sp>
@@ -5967,14 +5967,62 @@
       </p:sp>
       <p:sp>
         <p:nvSpPr>
-          <p:cNvPr id="657739609" name=""/>
+          <p:cNvPr id="910733129" name="TextBox 6"/>
+          <p:cNvSpPr txBox="1"/>
+          <p:nvPr/>
+        </p:nvSpPr>
+        <p:spPr bwMode="auto">
+          <a:xfrm rot="0" flipH="0" flipV="0">
+            <a:off x="-427812" y="163459"/>
+            <a:ext cx="11250198" cy="782552"/>
+          </a:xfrm>
+          <a:prstGeom prst="rect">
+            <a:avLst/>
+          </a:prstGeom>
+        </p:spPr>
+        <p:txBody>
+          <a:bodyPr lIns="0" tIns="0" rIns="0" bIns="0" rtlCol="0" anchor="t">
+            <a:spAutoFit/>
+          </a:bodyPr>
+          <a:lstStyle/>
+          <a:p>
+            <a:pPr algn="ctr">
+              <a:lnSpc>
+                <a:spcPts val="6158"/>
+              </a:lnSpc>
+              <a:defRPr/>
+            </a:pPr>
+            <a:r>
+              <a:rPr lang="en-US" sz="2400" b="0">
+                <a:solidFill>
+                  <a:schemeClr val="bg1"/>
+                </a:solidFill>
+                <a:latin typeface="Agave"/>
+                <a:ea typeface="Agave"/>
+                <a:cs typeface="Agave"/>
+              </a:rPr>
+              <a:t>Refined Sugars means Higher Cardiovascular Disease Risk (CVD)</a:t>
+            </a:r>
+            <a:endParaRPr sz="2600" b="0">
+              <a:solidFill>
+                <a:schemeClr val="bg1"/>
+              </a:solidFill>
+              <a:latin typeface="Tinos"/>
+              <a:cs typeface="Tinos"/>
+            </a:endParaRPr>
+          </a:p>
+        </p:txBody>
+      </p:sp>
+      <p:sp>
+        <p:nvSpPr>
+          <p:cNvPr id="1545068306" name=""/>
           <p:cNvSpPr/>
           <p:nvPr/>
         </p:nvSpPr>
         <p:spPr bwMode="auto">
           <a:xfrm flipH="0" flipV="0">
-            <a:off x="25439" y="0"/>
-            <a:ext cx="10247583" cy="10286997"/>
+            <a:off x="25438" y="0"/>
+            <a:ext cx="10247582" cy="10286996"/>
           </a:xfrm>
           <a:prstGeom prst="rect">
             <a:avLst/>
@@ -6010,54 +6058,6 @@
               <a:defRPr/>
             </a:pPr>
             <a:endParaRPr/>
-          </a:p>
-        </p:txBody>
-      </p:sp>
-      <p:sp>
-        <p:nvSpPr>
-          <p:cNvPr id="910733129" name="TextBox 6"/>
-          <p:cNvSpPr txBox="1"/>
-          <p:nvPr/>
-        </p:nvSpPr>
-        <p:spPr bwMode="auto">
-          <a:xfrm rot="0" flipH="0" flipV="0">
-            <a:off x="-427812" y="163459"/>
-            <a:ext cx="11250198" cy="782552"/>
-          </a:xfrm>
-          <a:prstGeom prst="rect">
-            <a:avLst/>
-          </a:prstGeom>
-        </p:spPr>
-        <p:txBody>
-          <a:bodyPr lIns="0" tIns="0" rIns="0" bIns="0" rtlCol="0" anchor="t">
-            <a:spAutoFit/>
-          </a:bodyPr>
-          <a:lstStyle/>
-          <a:p>
-            <a:pPr algn="ctr">
-              <a:lnSpc>
-                <a:spcPts val="6158"/>
-              </a:lnSpc>
-              <a:defRPr/>
-            </a:pPr>
-            <a:r>
-              <a:rPr lang="en-US" sz="2400" b="0">
-                <a:solidFill>
-                  <a:schemeClr val="bg1"/>
-                </a:solidFill>
-                <a:latin typeface="Agave"/>
-                <a:ea typeface="Agave"/>
-                <a:cs typeface="Agave"/>
-              </a:rPr>
-              <a:t>Refined Sugars means Higher Cardiovascular Disease Risk (CVD)</a:t>
-            </a:r>
-            <a:endParaRPr sz="2600" b="0">
-              <a:solidFill>
-                <a:schemeClr val="bg1"/>
-              </a:solidFill>
-              <a:latin typeface="Tinos"/>
-              <a:cs typeface="Tinos"/>
-            </a:endParaRPr>
           </a:p>
         </p:txBody>
       </p:sp>

--- a/posts/1/slides.pptx
+++ b/posts/1/slides.pptx
@@ -3883,10 +3883,9 @@
     <p:bg>
       <p:bgPr shadeToTitle="0">
         <a:solidFill>
-          <a:schemeClr val="accent4">
-            <a:lumMod val="50000"/>
+          <a:srgbClr val="26233A">
             <a:alpha val="99999"/>
-          </a:schemeClr>
+          </a:srgbClr>
         </a:solidFill>
       </p:bgPr>
     </p:bg>
@@ -3912,7 +3911,7 @@
         </p:nvSpPr>
         <p:spPr bwMode="auto">
           <a:xfrm flipH="0" flipV="0">
-            <a:off x="581146" y="1619248"/>
+            <a:off x="752595" y="1619247"/>
             <a:ext cx="9081799" cy="7938594"/>
           </a:xfrm>
           <a:prstGeom prst="roundRect">
@@ -3959,7 +3958,7 @@
         </p:blipFill>
         <p:spPr bwMode="auto">
           <a:xfrm rot="0" flipH="0" flipV="0">
-            <a:off x="1313792" y="2160216"/>
+            <a:off x="1313791" y="2160216"/>
             <a:ext cx="8349148" cy="6609352"/>
           </a:xfrm>
           <a:prstGeom prst="roundRect">
@@ -3977,8 +3976,8 @@
         </p:nvSpPr>
         <p:spPr bwMode="auto">
           <a:xfrm flipH="0" flipV="0">
-            <a:off x="4572000" y="2905572"/>
-            <a:ext cx="3887298" cy="823319"/>
+            <a:off x="3583447" y="3383016"/>
+            <a:ext cx="5403801" cy="518519"/>
           </a:xfrm>
           <a:prstGeom prst="rect">
             <a:avLst/>
@@ -3994,7 +3993,7 @@
               <a:defRPr/>
             </a:pPr>
             <a:r>
-              <a:rPr sz="2400">
+              <a:rPr sz="2800">
                 <a:solidFill>
                   <a:schemeClr val="bg1"/>
                 </a:solidFill>
@@ -4002,9 +4001,9 @@
                 <a:ea typeface="Agave"/>
                 <a:cs typeface="Agave"/>
               </a:rPr>
-              <a:t>risk of a person eating more than twice the RDA</a:t>
-            </a:r>
-            <a:endParaRPr sz="2400">
+              <a:t>person eating too many carbs</a:t>
+            </a:r>
+            <a:endParaRPr sz="2800">
               <a:solidFill>
                 <a:schemeClr val="bg1"/>
               </a:solidFill>
@@ -4077,8 +4076,8 @@
         </p:nvSpPr>
         <p:spPr bwMode="auto">
           <a:xfrm flipH="0" flipV="0">
-            <a:off x="2330836" y="5304437"/>
-            <a:ext cx="3954888" cy="1554840"/>
+            <a:off x="1838163" y="5632885"/>
+            <a:ext cx="3982608" cy="945239"/>
           </a:xfrm>
           <a:prstGeom prst="rect">
             <a:avLst/>
@@ -4094,14 +4093,36 @@
               <a:defRPr/>
             </a:pPr>
             <a:r>
-              <a:rPr sz="2400">
+              <a:rPr sz="2800">
                 <a:solidFill>
                   <a:schemeClr val="bg1"/>
                 </a:solidFill>
                 <a:latin typeface="Agave"/>
                 <a:cs typeface="Agave"/>
               </a:rPr>
-              <a:t>risk for a person taking the minimum Recommended Daily Allowance (RDA) i.e 130 g/day</a:t>
+              <a:t>recommended daily</a:t>
+            </a:r>
+            <a:endParaRPr sz="2800">
+              <a:solidFill>
+                <a:schemeClr val="bg1"/>
+              </a:solidFill>
+              <a:latin typeface="Agave"/>
+              <a:cs typeface="Agave"/>
+            </a:endParaRPr>
+          </a:p>
+          <a:p>
+            <a:pPr>
+              <a:defRPr/>
+            </a:pPr>
+            <a:r>
+              <a:rPr sz="2800">
+                <a:solidFill>
+                  <a:schemeClr val="bg1"/>
+                </a:solidFill>
+                <a:latin typeface="Agave"/>
+                <a:cs typeface="Agave"/>
+              </a:rPr>
+              <a:t>allowance</a:t>
             </a:r>
             <a:endParaRPr sz="2400">
               <a:solidFill>
@@ -4171,20 +4192,18 @@
         </p:nvCxnSpPr>
         <p:spPr bwMode="auto">
           <a:xfrm rot="0" flipH="0" flipV="1">
-            <a:off x="1227776" y="8844088"/>
+            <a:off x="1227775" y="8844087"/>
             <a:ext cx="8278349" cy="34711"/>
           </a:xfrm>
           <a:prstGeom prst="line">
             <a:avLst/>
           </a:prstGeom>
-          <a:ln w="57150" cap="flat" cmpd="sng" algn="ctr">
+          <a:ln w="28575" cap="flat" cmpd="sng" algn="ctr">
             <a:solidFill>
-              <a:schemeClr val="bg1">
-                <a:lumMod val="74901"/>
-              </a:schemeClr>
+              <a:schemeClr val="bg1"/>
             </a:solidFill>
             <a:prstDash val="solid"/>
-            <a:tailEnd type="arrow" len="med"/>
+            <a:tailEnd type="oval" len="med"/>
           </a:ln>
         </p:spPr>
         <p:style>
@@ -4212,8 +4231,8 @@
         </p:nvSpPr>
         <p:spPr bwMode="auto">
           <a:xfrm flipH="0" flipV="0">
-            <a:off x="3291825" y="9015951"/>
-            <a:ext cx="5145246" cy="488039"/>
+            <a:off x="3127600" y="9015950"/>
+            <a:ext cx="5158205" cy="488039"/>
           </a:xfrm>
           <a:prstGeom prst="rect">
             <a:avLst/>
@@ -4231,21 +4250,17 @@
             <a:r>
               <a:rPr sz="2600">
                 <a:solidFill>
-                  <a:schemeClr val="bg1">
-                    <a:lumMod val="75000"/>
-                  </a:schemeClr>
+                  <a:schemeClr val="bg1"/>
                 </a:solidFill>
                 <a:latin typeface="Agave"/>
                 <a:ea typeface="Agave"/>
                 <a:cs typeface="Agave"/>
               </a:rPr>
-              <a:t>Glycemic Load per day</a:t>
+              <a:t>Carbohydrates Eaten Per Day</a:t>
             </a:r>
             <a:endParaRPr sz="2600">
               <a:solidFill>
-                <a:schemeClr val="bg1">
-                  <a:lumMod val="75000"/>
-                </a:schemeClr>
+                <a:schemeClr val="bg1"/>
               </a:solidFill>
               <a:latin typeface="Agave"/>
               <a:cs typeface="Agave"/>
@@ -4263,20 +4278,18 @@
         </p:nvCxnSpPr>
         <p:spPr bwMode="auto">
           <a:xfrm rot="10799989" flipH="0" flipV="0">
-            <a:off x="1092134" y="1906133"/>
+            <a:off x="1092133" y="1906132"/>
             <a:ext cx="0" cy="6361203"/>
           </a:xfrm>
           <a:prstGeom prst="line">
             <a:avLst/>
           </a:prstGeom>
-          <a:ln w="57150" cap="flat" cmpd="sng" algn="ctr">
+          <a:ln w="28575" cap="flat" cmpd="sng" algn="ctr">
             <a:solidFill>
-              <a:schemeClr val="bg1">
-                <a:lumMod val="74901"/>
-              </a:schemeClr>
+              <a:schemeClr val="bg1"/>
             </a:solidFill>
             <a:prstDash val="solid"/>
-            <a:tailEnd type="arrow" len="med"/>
+            <a:tailEnd type="oval" len="med"/>
           </a:ln>
         </p:spPr>
         <p:style>
@@ -4306,7 +4319,7 @@
         </p:nvCxnSpPr>
         <p:spPr bwMode="auto">
           <a:xfrm rot="5399976" flipH="0" flipV="1">
-            <a:off x="7505041" y="3092886"/>
+            <a:off x="7505040" y="3092886"/>
             <a:ext cx="689741" cy="2430516"/>
           </a:xfrm>
           <a:prstGeom prst="curvedConnector2">
@@ -4345,13 +4358,17 @@
         </p:nvSpPr>
         <p:spPr bwMode="auto">
           <a:xfrm rot="16199969" flipH="0" flipV="0">
-            <a:off x="-1934249" y="4657506"/>
-            <a:ext cx="5472270" cy="427079"/>
+            <a:off x="-1934248" y="4657685"/>
+            <a:ext cx="5472629" cy="427079"/>
           </a:xfrm>
           <a:prstGeom prst="rect">
             <a:avLst/>
           </a:prstGeom>
           <a:noFill/>
+          <a:ln w="28575">
+            <a:noFill/>
+            <a:prstDash val="solid"/>
+          </a:ln>
         </p:spPr>
         <p:txBody>
           <a:bodyPr vertOverflow="overflow" horzOverflow="overflow" vert="horz" wrap="square" lIns="91440" tIns="45720" rIns="91440" bIns="45720" numCol="1" spcCol="0" rtlCol="0" fromWordArt="0" anchor="t" anchorCtr="0" forceAA="0" upright="0" compatLnSpc="0">
@@ -4363,55 +4380,6 @@
             </a:pPr>
             <a:r>
               <a:rPr sz="2200">
-                <a:solidFill>
-                  <a:schemeClr val="bg1">
-                    <a:lumMod val="75000"/>
-                  </a:schemeClr>
-                </a:solidFill>
-                <a:latin typeface="Agave"/>
-                <a:ea typeface="Agave"/>
-                <a:cs typeface="Agave"/>
-              </a:rPr>
-              <a:t>Risk of Cardiovascular Disease (CVD)</a:t>
-            </a:r>
-            <a:endParaRPr sz="2200">
-              <a:solidFill>
-                <a:schemeClr val="bg1">
-                  <a:lumMod val="75000"/>
-                </a:schemeClr>
-              </a:solidFill>
-              <a:latin typeface="Agave"/>
-              <a:cs typeface="Agave"/>
-            </a:endParaRPr>
-          </a:p>
-        </p:txBody>
-      </p:sp>
-      <p:sp>
-        <p:nvSpPr>
-          <p:cNvPr id="1544106469" name=""/>
-          <p:cNvSpPr txBox="1"/>
-          <p:nvPr/>
-        </p:nvSpPr>
-        <p:spPr bwMode="auto">
-          <a:xfrm flipH="0" flipV="0">
-            <a:off x="1669830" y="3512187"/>
-            <a:ext cx="3891978" cy="457559"/>
-          </a:xfrm>
-          <a:prstGeom prst="rect">
-            <a:avLst/>
-          </a:prstGeom>
-          <a:noFill/>
-        </p:spPr>
-        <p:txBody>
-          <a:bodyPr vertOverflow="overflow" horzOverflow="overflow" vert="horz" wrap="square" lIns="91440" tIns="45720" rIns="91440" bIns="45720" numCol="1" spcCol="0" rtlCol="0" fromWordArt="0" anchor="t" anchorCtr="0" forceAA="0" upright="0" compatLnSpc="0">
-            <a:spAutoFit/>
-          </a:bodyPr>
-          <a:p>
-            <a:pPr>
-              <a:defRPr/>
-            </a:pPr>
-            <a:r>
-              <a:rPr sz="2400">
                 <a:solidFill>
                   <a:schemeClr val="bg1"/>
                 </a:solidFill>
@@ -4419,9 +4387,9 @@
                 <a:ea typeface="Agave"/>
                 <a:cs typeface="Agave"/>
               </a:rPr>
-              <a:t>range of risk</a:t>
-            </a:r>
-            <a:endParaRPr sz="2400">
+              <a:t>Risk of Cardiovascular Disease (CVD)</a:t>
+            </a:r>
+            <a:endParaRPr sz="2200">
               <a:solidFill>
                 <a:schemeClr val="bg1"/>
               </a:solidFill>
@@ -4431,112 +4399,6 @@
           </a:p>
         </p:txBody>
       </p:sp>
-      <p:cxnSp>
-        <p:nvCxnSpPr>
-          <p:cNvPr id="1921275789" name=""/>
-          <p:cNvCxnSpPr>
-            <a:cxnSpLocks/>
-          </p:cNvCxnSpPr>
-          <p:nvPr/>
-        </p:nvCxnSpPr>
-        <p:spPr bwMode="auto">
-          <a:xfrm rot="5399942" flipH="0" flipV="1">
-            <a:off x="4625201" y="2391769"/>
-            <a:ext cx="800111" cy="3941373"/>
-          </a:xfrm>
-          <a:prstGeom prst="curvedConnector2">
-            <a:avLst/>
-          </a:prstGeom>
-          <a:ln w="38099" cap="flat" cmpd="sng" algn="ctr">
-            <a:solidFill>
-              <a:schemeClr val="bg1"/>
-            </a:solidFill>
-            <a:prstDash val="solid"/>
-            <a:tailEnd type="arrow" len="med"/>
-          </a:ln>
-        </p:spPr>
-        <p:style>
-          <a:lnRef idx="1">
-            <a:schemeClr val="accent1">
-              <a:shade val="50000"/>
-            </a:schemeClr>
-          </a:lnRef>
-          <a:fillRef idx="0">
-            <a:schemeClr val="accent1"/>
-          </a:fillRef>
-          <a:effectRef idx="0">
-            <a:schemeClr val="accent1"/>
-          </a:effectRef>
-          <a:fontRef idx="minor">
-            <a:schemeClr val="tx1"/>
-          </a:fontRef>
-        </p:style>
-      </p:cxnSp>
-      <p:sp>
-        <p:nvSpPr>
-          <p:cNvPr id="434183478" name="TextBox 6"/>
-          <p:cNvSpPr txBox="1"/>
-          <p:nvPr/>
-        </p:nvSpPr>
-        <p:spPr bwMode="auto">
-          <a:xfrm rot="0" flipH="0" flipV="0">
-            <a:off x="-103061" y="710786"/>
-            <a:ext cx="10562178" cy="782425"/>
-          </a:xfrm>
-          <a:prstGeom prst="rect">
-            <a:avLst/>
-          </a:prstGeom>
-        </p:spPr>
-        <p:txBody>
-          <a:bodyPr lIns="0" tIns="0" rIns="0" bIns="0" rtlCol="0" anchor="t">
-            <a:spAutoFit/>
-          </a:bodyPr>
-          <a:lstStyle/>
-          <a:p>
-            <a:pPr algn="ctr">
-              <a:lnSpc>
-                <a:spcPts val="6157"/>
-              </a:lnSpc>
-              <a:defRPr/>
-            </a:pPr>
-            <a:r>
-              <a:rPr lang="en-US" sz="2000" b="0">
-                <a:solidFill>
-                  <a:schemeClr val="bg1">
-                    <a:lumMod val="65000"/>
-                  </a:schemeClr>
-                </a:solidFill>
-                <a:latin typeface="Agave"/>
-                <a:ea typeface="Agave"/>
-                <a:cs typeface="Agave"/>
-              </a:rPr>
-              <a:t>Liu et al, 2000, </a:t>
-            </a:r>
-            <a:r>
-              <a:rPr lang="en-US" sz="2000" b="0" i="0" u="none" strike="noStrike" cap="none" spc="0">
-                <a:solidFill>
-                  <a:schemeClr val="bg1">
-                    <a:lumMod val="65000"/>
-                  </a:schemeClr>
-                </a:solidFill>
-                <a:latin typeface="Agave"/>
-                <a:ea typeface="Agave"/>
-                <a:cs typeface="Agave"/>
-              </a:rPr>
-              <a:t>American Journal of Clinical Nutrition, 71(6), 1455–1461.</a:t>
-            </a:r>
-            <a:endParaRPr sz="2600" b="0">
-              <a:solidFill>
-                <a:schemeClr val="bg1">
-                  <a:lumMod val="65000"/>
-                </a:schemeClr>
-              </a:solidFill>
-              <a:latin typeface="Tinos"/>
-              <a:cs typeface="Tinos"/>
-            </a:endParaRPr>
-          </a:p>
-        </p:txBody>
-      </p:sp>
       <p:sp>
         <p:nvSpPr>
           <p:cNvPr id="1487467227" name="TextBox 6"/>
@@ -4545,7 +4407,7 @@
         </p:nvSpPr>
         <p:spPr bwMode="auto">
           <a:xfrm rot="0" flipH="0" flipV="0">
-            <a:off x="501507" y="9279210"/>
+            <a:off x="173058" y="9377744"/>
             <a:ext cx="4016785" cy="782298"/>
           </a:xfrm>
           <a:prstGeom prst="rect">
@@ -4593,12 +4455,16 @@
         </p:nvSpPr>
         <p:spPr bwMode="auto">
           <a:xfrm rot="0" flipH="0" flipV="0">
-            <a:off x="-427812" y="163459"/>
-            <a:ext cx="11249838" cy="782552"/>
+            <a:off x="588550" y="327682"/>
+            <a:ext cx="9280409" cy="1219559"/>
           </a:xfrm>
           <a:prstGeom prst="rect">
             <a:avLst/>
           </a:prstGeom>
+          <a:ln w="28575">
+            <a:noFill/>
+            <a:prstDash val="solid"/>
+          </a:ln>
         </p:spPr>
         <p:txBody>
           <a:bodyPr lIns="0" tIns="0" rIns="0" bIns="0" rtlCol="0" anchor="t">
@@ -4606,14 +4472,14 @@
           </a:bodyPr>
           <a:lstStyle/>
           <a:p>
-            <a:pPr algn="ctr">
+            <a:pPr algn="l">
               <a:lnSpc>
-                <a:spcPts val="6158"/>
+                <a:spcPct val="100000"/>
               </a:lnSpc>
               <a:defRPr/>
             </a:pPr>
             <a:r>
-              <a:rPr lang="en-US" sz="2400" b="0">
+              <a:rPr lang="en-US" sz="4000" b="0">
                 <a:solidFill>
                   <a:schemeClr val="bg1"/>
                 </a:solidFill>
@@ -4621,9 +4487,9 @@
                 <a:ea typeface="Agave"/>
                 <a:cs typeface="Agave"/>
               </a:rPr>
-              <a:t>Refined Sugars means Higher Cardiovascular Disease Risk (CVD)</a:t>
-            </a:r>
-            <a:endParaRPr sz="2600" b="0">
+              <a:t>Refined Carbs Increase Your Glycemic Load &amp; Cardiovascular Risk</a:t>
+            </a:r>
+            <a:endParaRPr sz="4000" b="0">
               <a:solidFill>
                 <a:schemeClr val="bg1"/>
               </a:solidFill>
@@ -4681,6 +4547,86 @@
           </a:p>
         </p:txBody>
       </p:sp>
+      <p:cxnSp>
+        <p:nvCxnSpPr>
+          <p:cNvPr id="1014230361" name=""/>
+          <p:cNvCxnSpPr>
+            <a:cxnSpLocks/>
+          </p:cNvCxnSpPr>
+          <p:nvPr/>
+        </p:nvCxnSpPr>
+        <p:spPr bwMode="auto">
+          <a:xfrm flipH="0" flipV="0">
+            <a:off x="13612" y="9578864"/>
+            <a:ext cx="10247581" cy="75540"/>
+          </a:xfrm>
+          <a:prstGeom prst="line">
+            <a:avLst/>
+          </a:prstGeom>
+          <a:ln w="38099" cap="flat" cmpd="sng" algn="ctr">
+            <a:solidFill>
+              <a:schemeClr val="bg1"/>
+            </a:solidFill>
+            <a:prstDash val="solid"/>
+          </a:ln>
+        </p:spPr>
+        <p:style>
+          <a:lnRef idx="1">
+            <a:schemeClr val="accent1">
+              <a:shade val="50000"/>
+            </a:schemeClr>
+          </a:lnRef>
+          <a:fillRef idx="0">
+            <a:schemeClr val="accent1"/>
+          </a:fillRef>
+          <a:effectRef idx="0">
+            <a:schemeClr val="accent1"/>
+          </a:effectRef>
+          <a:fontRef idx="minor">
+            <a:schemeClr val="tx1"/>
+          </a:fontRef>
+        </p:style>
+      </p:cxnSp>
+      <p:cxnSp>
+        <p:nvCxnSpPr>
+          <p:cNvPr id="1671728807" name=""/>
+          <p:cNvCxnSpPr>
+            <a:cxnSpLocks/>
+          </p:cNvCxnSpPr>
+          <p:nvPr/>
+        </p:nvCxnSpPr>
+        <p:spPr bwMode="auto">
+          <a:xfrm flipH="0" flipV="0">
+            <a:off x="1786" y="1520056"/>
+            <a:ext cx="10247581" cy="75540"/>
+          </a:xfrm>
+          <a:prstGeom prst="line">
+            <a:avLst/>
+          </a:prstGeom>
+          <a:ln w="38099" cap="flat" cmpd="sng" algn="ctr">
+            <a:solidFill>
+              <a:schemeClr val="bg1"/>
+            </a:solidFill>
+            <a:prstDash val="solid"/>
+          </a:ln>
+        </p:spPr>
+        <p:style>
+          <a:lnRef idx="1">
+            <a:schemeClr val="accent1">
+              <a:shade val="50000"/>
+            </a:schemeClr>
+          </a:lnRef>
+          <a:fillRef idx="0">
+            <a:schemeClr val="accent1"/>
+          </a:fillRef>
+          <a:effectRef idx="0">
+            <a:schemeClr val="accent1"/>
+          </a:effectRef>
+          <a:fontRef idx="minor">
+            <a:schemeClr val="tx1"/>
+          </a:fontRef>
+        </p:style>
+      </p:cxnSp>
     </p:spTree>
   </p:cSld>
   <p:clrMapOvr>
@@ -4703,10 +4649,9 @@
     <p:bg>
       <p:bgPr shadeToTitle="0">
         <a:solidFill>
-          <a:schemeClr val="accent4">
-            <a:lumMod val="50000"/>
+          <a:srgbClr val="26233A">
             <a:alpha val="99999"/>
-          </a:schemeClr>
+          </a:srgbClr>
         </a:solidFill>
       </p:bgPr>
     </p:bg>
@@ -4767,62 +4712,14 @@
       </p:sp>
       <p:sp>
         <p:nvSpPr>
-          <p:cNvPr id="704332636" name="TextBox 6"/>
-          <p:cNvSpPr txBox="1"/>
-          <p:nvPr/>
-        </p:nvSpPr>
-        <p:spPr bwMode="auto">
-          <a:xfrm rot="0" flipH="0" flipV="0">
-            <a:off x="8875237" y="9443440"/>
-            <a:ext cx="1262502" cy="782552"/>
-          </a:xfrm>
-          <a:prstGeom prst="rect">
-            <a:avLst/>
-          </a:prstGeom>
-        </p:spPr>
-        <p:txBody>
-          <a:bodyPr lIns="0" tIns="0" rIns="0" bIns="0" rtlCol="0" anchor="t">
-            <a:spAutoFit/>
-          </a:bodyPr>
-          <a:lstStyle/>
-          <a:p>
-            <a:pPr algn="ctr">
-              <a:lnSpc>
-                <a:spcPts val="6159"/>
-              </a:lnSpc>
-              <a:defRPr/>
-            </a:pPr>
-            <a:r>
-              <a:rPr lang="en-US" sz="2600" b="0">
-                <a:solidFill>
-                  <a:schemeClr val="bg1"/>
-                </a:solidFill>
-                <a:latin typeface="Agave"/>
-                <a:ea typeface="Agave"/>
-                <a:cs typeface="Agave"/>
-              </a:rPr>
-              <a:t>2/3</a:t>
-            </a:r>
-            <a:endParaRPr sz="2600" b="0">
-              <a:solidFill>
-                <a:schemeClr val="bg1"/>
-              </a:solidFill>
-              <a:latin typeface="Tinos"/>
-              <a:cs typeface="Tinos"/>
-            </a:endParaRPr>
-          </a:p>
-        </p:txBody>
-      </p:sp>
-      <p:sp>
-        <p:nvSpPr>
           <p:cNvPr id="1708333852" name=""/>
           <p:cNvSpPr txBox="1"/>
           <p:nvPr/>
         </p:nvSpPr>
         <p:spPr bwMode="auto">
           <a:xfrm flipH="0" flipV="0">
-            <a:off x="1028691" y="1785078"/>
-            <a:ext cx="8500471" cy="7772759"/>
+            <a:off x="1218620" y="1456629"/>
+            <a:ext cx="7696849" cy="6827879"/>
           </a:xfrm>
           <a:prstGeom prst="rect">
             <a:avLst/>
@@ -4838,7 +4735,7 @@
               <a:defRPr/>
             </a:pPr>
             <a:r>
-              <a:rPr lang="en-US" sz="2600" b="0" i="0" u="none" strike="noStrike" cap="none" spc="0">
+              <a:rPr lang="en-US" sz="3600" b="0" i="0" u="none" strike="noStrike" cap="none" spc="0">
                 <a:solidFill>
                   <a:srgbClr val="00B0F0"/>
                 </a:solidFill>
@@ -4849,7 +4746,7 @@
               <a:t>Glycemic Load</a:t>
             </a:r>
             <a:r>
-              <a:rPr lang="en-US" sz="2600" b="0" i="0" u="none" strike="noStrike" cap="none" spc="0">
+              <a:rPr lang="en-US" sz="3600" b="0" i="0" u="none" strike="noStrike" cap="none" spc="0">
                 <a:solidFill>
                   <a:schemeClr val="bg1"/>
                 </a:solidFill>
@@ -4859,7 +4756,7 @@
               </a:rPr>
               <a:t> means how quickly a food increases your blood sugar.</a:t>
             </a:r>
-            <a:endParaRPr lang="en-US" sz="2600" b="0" i="0" u="none" strike="noStrike" cap="none" spc="0">
+            <a:endParaRPr sz="3600" b="0" i="0" u="none" strike="noStrike" cap="none" spc="0">
               <a:solidFill>
                 <a:schemeClr val="bg1"/>
               </a:solidFill>
@@ -4872,12 +4769,11 @@
             <a:pPr>
               <a:defRPr/>
             </a:pPr>
-            <a:endParaRPr lang="en-US" sz="2600" b="0" i="0" u="none" strike="noStrike" cap="none" spc="0">
+            <a:endParaRPr sz="3600" b="0" i="0" u="none" strike="noStrike" cap="none" spc="0">
               <a:solidFill>
                 <a:schemeClr val="bg1"/>
               </a:solidFill>
               <a:latin typeface="Agave"/>
-              <a:ea typeface="Agave"/>
               <a:cs typeface="Agave"/>
             </a:endParaRPr>
           </a:p>
@@ -4886,7 +4782,7 @@
               <a:defRPr/>
             </a:pPr>
             <a:r>
-              <a:rPr lang="en-US" sz="2600" b="0" i="0" u="none" strike="noStrike" cap="none" spc="0">
+              <a:rPr lang="en-US" sz="3600" b="0" i="0" u="none" strike="noStrike" cap="none" spc="0">
                 <a:solidFill>
                   <a:schemeClr val="bg1"/>
                 </a:solidFill>
@@ -4894,101 +4790,10 @@
                 <a:ea typeface="Agave"/>
                 <a:cs typeface="Agave"/>
               </a:rPr>
-              <a:t>A </a:t>
-            </a:r>
-            <a:r>
-              <a:rPr lang="en-US" sz="2600" b="0" i="0" u="none" strike="noStrike" cap="none" spc="0">
-                <a:solidFill>
-                  <a:schemeClr val="bg1"/>
-                </a:solidFill>
-                <a:latin typeface="Agave"/>
-                <a:ea typeface="Agave"/>
-                <a:cs typeface="Agave"/>
-              </a:rPr>
-              <a:t>glycemic load from </a:t>
-            </a:r>
-            <a:r>
-              <a:rPr lang="en-US" sz="2600" b="0" i="0" u="none" strike="noStrike" cap="none" spc="0">
-                <a:solidFill>
-                  <a:srgbClr val="FFC000"/>
-                </a:solidFill>
-                <a:latin typeface="Agave"/>
-                <a:ea typeface="Agave"/>
-                <a:cs typeface="Agave"/>
-              </a:rPr>
-              <a:t>refined carbs</a:t>
-            </a:r>
-            <a:r>
-              <a:rPr lang="en-US" sz="2600" b="0" i="0" u="none" strike="noStrike" cap="none" spc="0">
-                <a:solidFill>
-                  <a:srgbClr val="92D050"/>
-                </a:solidFill>
-                <a:latin typeface="Agave"/>
-                <a:ea typeface="Agave"/>
-                <a:cs typeface="Agave"/>
-              </a:rPr>
-              <a:t> like white flour increases the risk of </a:t>
-            </a:r>
-            <a:r>
-              <a:rPr lang="en-US" sz="2600" b="0" i="0" u="none" strike="noStrike" cap="none" spc="0">
-                <a:solidFill>
-                  <a:srgbClr val="92D050"/>
-                </a:solidFill>
-                <a:latin typeface="Agave"/>
-                <a:ea typeface="Agave"/>
-                <a:cs typeface="Agave"/>
-              </a:rPr>
-              <a:t>CVD</a:t>
-            </a:r>
-            <a:r>
-              <a:rPr lang="en-US" sz="2600" b="0" i="0" u="none" strike="noStrike" cap="none" spc="0">
-                <a:solidFill>
-                  <a:schemeClr val="bg1"/>
-                </a:solidFill>
-                <a:latin typeface="Agave"/>
-                <a:ea typeface="Agave"/>
-                <a:cs typeface="Agave"/>
-              </a:rPr>
-              <a:t>, independent of known coronary disease risk factors.</a:t>
-            </a:r>
-            <a:endParaRPr lang="en-US" sz="2600" b="0" i="0" u="none" strike="noStrike" cap="none" spc="0">
-              <a:solidFill>
-                <a:schemeClr val="bg1"/>
-              </a:solidFill>
-              <a:latin typeface="Agave"/>
-              <a:ea typeface="Agave"/>
-              <a:cs typeface="Agave"/>
-            </a:endParaRPr>
-          </a:p>
-          <a:p>
-            <a:pPr>
-              <a:defRPr/>
-            </a:pPr>
-            <a:endParaRPr lang="en-US" sz="2600" b="0" i="0" u="none" strike="noStrike" cap="none" spc="0">
-              <a:solidFill>
-                <a:schemeClr val="bg1"/>
-              </a:solidFill>
-              <a:latin typeface="Agave"/>
-              <a:cs typeface="Agave"/>
-            </a:endParaRPr>
-          </a:p>
-          <a:p>
-            <a:pPr>
-              <a:defRPr/>
-            </a:pPr>
-            <a:r>
-              <a:rPr lang="en-US" sz="2600" b="0" i="0" u="none" strike="noStrike" cap="none" spc="0">
-                <a:solidFill>
-                  <a:schemeClr val="bg1"/>
-                </a:solidFill>
-                <a:latin typeface="Agave"/>
-                <a:ea typeface="Agave"/>
-                <a:cs typeface="Agave"/>
-              </a:rPr>
-              <a:t>Foods like </a:t>
-            </a:r>
-            <a:r>
-              <a:rPr lang="en-US" sz="2600" b="0" i="0" u="none" strike="noStrike" cap="none" spc="0">
+              <a:t>Refined carbs like </a:t>
+            </a:r>
+            <a:r>
+              <a:rPr lang="en-US" sz="3600" b="0" i="0" u="none" strike="noStrike" cap="none" spc="0">
                 <a:solidFill>
                   <a:srgbClr val="FFC000"/>
                 </a:solidFill>
@@ -4999,7 +4804,7 @@
               <a:t>added sugar, candy, white flour, white rice and breakfast meal and drinks with added sugar</a:t>
             </a:r>
             <a:r>
-              <a:rPr lang="en-US" sz="2600" b="0" i="0" u="none" strike="noStrike" cap="none" spc="0">
+              <a:rPr lang="en-US" sz="3600" b="0" i="0" u="none" strike="noStrike" cap="none" spc="0">
                 <a:solidFill>
                   <a:schemeClr val="bg1"/>
                 </a:solidFill>
@@ -5010,7 +4815,7 @@
               <a:t> have a </a:t>
             </a:r>
             <a:r>
-              <a:rPr lang="en-US" sz="2600" b="0" i="0" u="none" strike="noStrike" cap="none" spc="0">
+              <a:rPr lang="en-US" sz="3600" b="0" i="0" u="none" strike="noStrike" cap="none" spc="0">
                 <a:solidFill>
                   <a:srgbClr val="00B0F0"/>
                 </a:solidFill>
@@ -5021,7 +4826,7 @@
               <a:t>higher glycemic load</a:t>
             </a:r>
             <a:r>
-              <a:rPr lang="en-US" sz="2600" b="0" i="0" u="none" strike="noStrike" cap="none" spc="0">
+              <a:rPr lang="en-US" sz="3600" b="0" i="0" u="none" strike="noStrike" cap="none" spc="0">
                 <a:solidFill>
                   <a:schemeClr val="bg1"/>
                 </a:solidFill>
@@ -5032,7 +4837,7 @@
               <a:t> than </a:t>
             </a:r>
             <a:r>
-              <a:rPr lang="en-US" sz="2600" b="0" i="0" u="none" strike="noStrike" cap="none" spc="0">
+              <a:rPr lang="en-US" sz="3600" b="0" i="0" u="none" strike="noStrike" cap="none" spc="0">
                 <a:solidFill>
                   <a:srgbClr val="92D050"/>
                 </a:solidFill>
@@ -5043,7 +4848,7 @@
               <a:t>natural foods like fruits and whole foods</a:t>
             </a:r>
             <a:r>
-              <a:rPr lang="en-US" sz="2600" b="0" i="0" u="none" strike="noStrike" cap="none" spc="0">
+              <a:rPr lang="en-US" sz="3600" b="0" i="0" u="none" strike="noStrike" cap="none" spc="0">
                 <a:solidFill>
                   <a:schemeClr val="bg1"/>
                 </a:solidFill>
@@ -5053,6 +4858,19 @@
               </a:rPr>
               <a:t>.</a:t>
             </a:r>
+            <a:endParaRPr lang="en-US" sz="3600" b="0" i="0" u="none" strike="noStrike" cap="none" spc="0">
+              <a:solidFill>
+                <a:schemeClr val="bg1"/>
+              </a:solidFill>
+              <a:latin typeface="Agave"/>
+              <a:ea typeface="Agave"/>
+              <a:cs typeface="Agave"/>
+            </a:endParaRPr>
+          </a:p>
+          <a:p>
+            <a:pPr>
+              <a:defRPr/>
+            </a:pPr>
             <a:endParaRPr lang="en-US" sz="2600" b="0" i="0" u="none" strike="noStrike" cap="none" spc="0">
               <a:solidFill>
                 <a:schemeClr val="bg1"/>
@@ -5062,23 +4880,11 @@
             </a:endParaRPr>
           </a:p>
           <a:p>
-            <a:pPr algn="l">
-              <a:defRPr/>
-            </a:pPr>
-            <a:endParaRPr sz="3600">
-              <a:solidFill>
-                <a:schemeClr val="bg1"/>
-              </a:solidFill>
-              <a:latin typeface="Agave"/>
-              <a:cs typeface="Agave"/>
-            </a:endParaRPr>
-          </a:p>
-          <a:p>
-            <a:pPr>
-              <a:defRPr/>
-            </a:pPr>
-            <a:r>
-              <a:rPr lang="en-US" sz="2600" b="0" i="0" u="none" strike="noStrike" cap="none" spc="0">
+            <a:pPr>
+              <a:defRPr/>
+            </a:pPr>
+            <a:r>
+              <a:rPr lang="en-US" sz="2800" b="0" i="1" u="none" strike="noStrike" cap="none" spc="0">
                 <a:solidFill>
                   <a:schemeClr val="bg1"/>
                 </a:solidFill>
@@ -5086,234 +4892,14 @@
                 <a:ea typeface="Agave"/>
                 <a:cs typeface="Agave"/>
               </a:rPr>
-              <a:t>The risk of CVD when taking a higher glycemic load was </a:t>
-            </a:r>
-            <a:r>
-              <a:rPr lang="en-US" sz="2600" b="0" i="0" u="none" strike="noStrike" cap="none" spc="0">
-                <a:solidFill>
-                  <a:srgbClr val="92D050"/>
-                </a:solidFill>
-                <a:latin typeface="Agave"/>
-                <a:ea typeface="Agave"/>
-                <a:cs typeface="Agave"/>
-              </a:rPr>
-              <a:t>higher in women with above average weights</a:t>
-            </a:r>
-            <a:endParaRPr lang="en-US" sz="2600" b="0" i="0" u="none" strike="noStrike" cap="none" spc="0">
-              <a:solidFill>
-                <a:schemeClr val="bg1"/>
-              </a:solidFill>
-              <a:latin typeface="Agave"/>
-              <a:ea typeface="Agave"/>
-              <a:cs typeface="Agave"/>
-            </a:endParaRPr>
-          </a:p>
-          <a:p>
-            <a:pPr>
-              <a:defRPr/>
-            </a:pPr>
-            <a:endParaRPr lang="en-US" sz="2600" b="0" i="0" u="none" strike="noStrike" cap="none" spc="0">
+              <a:t>Liu et al, 2000, American Journal of Clinical Nutrition, 71(6), 1455–1461.</a:t>
+            </a:r>
+            <a:endParaRPr sz="2600" b="0" i="1" u="none" strike="noStrike" cap="none" spc="0">
               <a:solidFill>
                 <a:schemeClr val="bg1"/>
               </a:solidFill>
               <a:latin typeface="Agave"/>
               <a:cs typeface="Agave"/>
-            </a:endParaRPr>
-          </a:p>
-          <a:p>
-            <a:pPr>
-              <a:defRPr/>
-            </a:pPr>
-            <a:r>
-              <a:rPr lang="en-US" sz="2600" b="0" i="0" u="none" strike="noStrike" cap="none" spc="0">
-                <a:solidFill>
-                  <a:srgbClr val="FFC000"/>
-                </a:solidFill>
-                <a:latin typeface="Agave"/>
-                <a:ea typeface="Agave"/>
-                <a:cs typeface="Agave"/>
-              </a:rPr>
-              <a:t>Am I eating foods that are giving me a high glycemic load? How can I replace them with better foods that can protect me instead?</a:t>
-            </a:r>
-            <a:endParaRPr lang="en-US" sz="2600" b="0" i="0" u="none" strike="noStrike" cap="none" spc="0">
-              <a:solidFill>
-                <a:schemeClr val="bg1"/>
-              </a:solidFill>
-              <a:latin typeface="Agave"/>
-              <a:cs typeface="Agave"/>
-            </a:endParaRPr>
-          </a:p>
-          <a:p>
-            <a:pPr>
-              <a:defRPr/>
-            </a:pPr>
-            <a:endParaRPr sz="2600" b="0" i="0" u="none" strike="noStrike" cap="none" spc="0">
-              <a:solidFill>
-                <a:schemeClr val="bg1"/>
-              </a:solidFill>
-              <a:latin typeface="Agave"/>
-              <a:cs typeface="Agave"/>
-            </a:endParaRPr>
-          </a:p>
-        </p:txBody>
-      </p:sp>
-      <p:sp>
-        <p:nvSpPr>
-          <p:cNvPr id="361070276" name="TextBox 6"/>
-          <p:cNvSpPr txBox="1"/>
-          <p:nvPr/>
-        </p:nvSpPr>
-        <p:spPr bwMode="auto">
-          <a:xfrm rot="0" flipH="0" flipV="0">
-            <a:off x="-80784" y="710786"/>
-            <a:ext cx="10561819" cy="782425"/>
-          </a:xfrm>
-          <a:prstGeom prst="rect">
-            <a:avLst/>
-          </a:prstGeom>
-        </p:spPr>
-        <p:txBody>
-          <a:bodyPr lIns="0" tIns="0" rIns="0" bIns="0" rtlCol="0" anchor="t">
-            <a:spAutoFit/>
-          </a:bodyPr>
-          <a:lstStyle/>
-          <a:p>
-            <a:pPr algn="ctr">
-              <a:lnSpc>
-                <a:spcPts val="6158"/>
-              </a:lnSpc>
-              <a:defRPr/>
-            </a:pPr>
-            <a:r>
-              <a:rPr lang="en-US" sz="2000" b="0">
-                <a:solidFill>
-                  <a:schemeClr val="bg1">
-                    <a:lumMod val="65000"/>
-                  </a:schemeClr>
-                </a:solidFill>
-                <a:latin typeface="Agave"/>
-                <a:ea typeface="Agave"/>
-                <a:cs typeface="Agave"/>
-              </a:rPr>
-              <a:t>Liu et al, 2000, </a:t>
-            </a:r>
-            <a:r>
-              <a:rPr lang="en-US" sz="2000" b="0" i="0" u="none" strike="noStrike" cap="none" spc="0">
-                <a:solidFill>
-                  <a:schemeClr val="bg1">
-                    <a:lumMod val="65000"/>
-                  </a:schemeClr>
-                </a:solidFill>
-                <a:latin typeface="Agave"/>
-                <a:ea typeface="Agave"/>
-                <a:cs typeface="Agave"/>
-              </a:rPr>
-              <a:t>American Journal of Clinical Nutrition, 71(6), 1455–1461.</a:t>
-            </a:r>
-            <a:endParaRPr sz="2600" b="0">
-              <a:solidFill>
-                <a:schemeClr val="bg1">
-                  <a:lumMod val="65000"/>
-                </a:schemeClr>
-              </a:solidFill>
-              <a:latin typeface="Tinos"/>
-              <a:cs typeface="Tinos"/>
-            </a:endParaRPr>
-          </a:p>
-        </p:txBody>
-      </p:sp>
-      <p:sp>
-        <p:nvSpPr>
-          <p:cNvPr id="1201266266" name="TextBox 6"/>
-          <p:cNvSpPr txBox="1"/>
-          <p:nvPr/>
-        </p:nvSpPr>
-        <p:spPr bwMode="auto">
-          <a:xfrm rot="0" flipH="0" flipV="0">
-            <a:off x="501507" y="9279210"/>
-            <a:ext cx="4016785" cy="782298"/>
-          </a:xfrm>
-          <a:prstGeom prst="rect">
-            <a:avLst/>
-          </a:prstGeom>
-        </p:spPr>
-        <p:txBody>
-          <a:bodyPr lIns="0" tIns="0" rIns="0" bIns="0" rtlCol="0" anchor="t">
-            <a:spAutoFit/>
-          </a:bodyPr>
-          <a:lstStyle/>
-          <a:p>
-            <a:pPr algn="ctr">
-              <a:lnSpc>
-                <a:spcPts val="6156"/>
-              </a:lnSpc>
-              <a:defRPr/>
-            </a:pPr>
-            <a:r>
-              <a:rPr lang="en-US" sz="2600" b="0">
-                <a:solidFill>
-                  <a:schemeClr val="bg1"/>
-                </a:solidFill>
-                <a:latin typeface="Agave"/>
-                <a:ea typeface="Agave"/>
-                <a:cs typeface="Agave"/>
-              </a:rPr>
-              <a:t>Counsels on Lifestyle</a:t>
-            </a:r>
-            <a:endParaRPr sz="2600" b="0">
-              <a:solidFill>
-                <a:schemeClr val="bg1"/>
-              </a:solidFill>
-              <a:latin typeface="Tinos"/>
-              <a:cs typeface="Tinos"/>
-            </a:endParaRPr>
-          </a:p>
-        </p:txBody>
-      </p:sp>
-      <p:sp>
-        <p:nvSpPr>
-          <p:cNvPr id="1841081963" name="TextBox 6"/>
-          <p:cNvSpPr txBox="1"/>
-          <p:nvPr/>
-        </p:nvSpPr>
-        <p:spPr bwMode="auto">
-          <a:xfrm rot="0" flipH="0" flipV="0">
-            <a:off x="-427812" y="163459"/>
-            <a:ext cx="11250198" cy="782552"/>
-          </a:xfrm>
-          <a:prstGeom prst="rect">
-            <a:avLst/>
-          </a:prstGeom>
-        </p:spPr>
-        <p:txBody>
-          <a:bodyPr lIns="0" tIns="0" rIns="0" bIns="0" rtlCol="0" anchor="t">
-            <a:spAutoFit/>
-          </a:bodyPr>
-          <a:lstStyle/>
-          <a:p>
-            <a:pPr algn="ctr">
-              <a:lnSpc>
-                <a:spcPts val="6158"/>
-              </a:lnSpc>
-              <a:defRPr/>
-            </a:pPr>
-            <a:r>
-              <a:rPr lang="en-US" sz="2400" b="0">
-                <a:solidFill>
-                  <a:schemeClr val="bg1"/>
-                </a:solidFill>
-                <a:latin typeface="Agave"/>
-                <a:ea typeface="Agave"/>
-                <a:cs typeface="Agave"/>
-              </a:rPr>
-              <a:t>Refined Sugars means Higher Cardiovascular Disease Risk (CVD)</a:t>
-            </a:r>
-            <a:endParaRPr sz="2600" b="0">
-              <a:solidFill>
-                <a:schemeClr val="bg1"/>
-              </a:solidFill>
-              <a:latin typeface="Tinos"/>
-              <a:cs typeface="Tinos"/>
             </a:endParaRPr>
           </a:p>
         </p:txBody>
@@ -5366,6 +4952,142 @@
           </a:p>
         </p:txBody>
       </p:sp>
+      <p:sp>
+        <p:nvSpPr>
+          <p:cNvPr id="1606666768" name="TextBox 6"/>
+          <p:cNvSpPr txBox="1"/>
+          <p:nvPr/>
+        </p:nvSpPr>
+        <p:spPr bwMode="auto">
+          <a:xfrm rot="0" flipH="0" flipV="0">
+            <a:off x="8875236" y="9443439"/>
+            <a:ext cx="1264298" cy="782552"/>
+          </a:xfrm>
+          <a:prstGeom prst="rect">
+            <a:avLst/>
+          </a:prstGeom>
+        </p:spPr>
+        <p:txBody>
+          <a:bodyPr lIns="0" tIns="0" rIns="0" bIns="0" rtlCol="0" anchor="t">
+            <a:spAutoFit/>
+          </a:bodyPr>
+          <a:lstStyle/>
+          <a:p>
+            <a:pPr algn="ctr">
+              <a:lnSpc>
+                <a:spcPts val="6158"/>
+              </a:lnSpc>
+              <a:defRPr/>
+            </a:pPr>
+            <a:r>
+              <a:rPr lang="en-US" sz="2600" b="0">
+                <a:solidFill>
+                  <a:schemeClr val="bg1"/>
+                </a:solidFill>
+                <a:latin typeface="Agave"/>
+                <a:ea typeface="Agave"/>
+                <a:cs typeface="Agave"/>
+              </a:rPr>
+              <a:t>2/3</a:t>
+            </a:r>
+            <a:endParaRPr sz="2600" b="0">
+              <a:solidFill>
+                <a:schemeClr val="bg1"/>
+              </a:solidFill>
+              <a:latin typeface="Tinos"/>
+              <a:cs typeface="Tinos"/>
+            </a:endParaRPr>
+          </a:p>
+        </p:txBody>
+      </p:sp>
+      <p:sp>
+        <p:nvSpPr>
+          <p:cNvPr id="810697383" name="TextBox 6"/>
+          <p:cNvSpPr txBox="1"/>
+          <p:nvPr/>
+        </p:nvSpPr>
+        <p:spPr bwMode="auto">
+          <a:xfrm rot="0" flipH="0" flipV="0">
+            <a:off x="173057" y="9377743"/>
+            <a:ext cx="4018584" cy="782172"/>
+          </a:xfrm>
+          <a:prstGeom prst="rect">
+            <a:avLst/>
+          </a:prstGeom>
+        </p:spPr>
+        <p:txBody>
+          <a:bodyPr lIns="0" tIns="0" rIns="0" bIns="0" rtlCol="0" anchor="t">
+            <a:spAutoFit/>
+          </a:bodyPr>
+          <a:lstStyle/>
+          <a:p>
+            <a:pPr algn="ctr">
+              <a:lnSpc>
+                <a:spcPts val="6155"/>
+              </a:lnSpc>
+              <a:defRPr/>
+            </a:pPr>
+            <a:r>
+              <a:rPr lang="en-US" sz="2600" b="0">
+                <a:solidFill>
+                  <a:schemeClr val="bg1"/>
+                </a:solidFill>
+                <a:latin typeface="Agave"/>
+                <a:ea typeface="Agave"/>
+                <a:cs typeface="Agave"/>
+              </a:rPr>
+              <a:t>Counsels on Lifestyle</a:t>
+            </a:r>
+            <a:endParaRPr sz="2600" b="0">
+              <a:solidFill>
+                <a:schemeClr val="bg1"/>
+              </a:solidFill>
+              <a:latin typeface="Tinos"/>
+              <a:cs typeface="Tinos"/>
+            </a:endParaRPr>
+          </a:p>
+        </p:txBody>
+      </p:sp>
+      <p:cxnSp>
+        <p:nvCxnSpPr>
+          <p:cNvPr id="2133306795" name=""/>
+          <p:cNvCxnSpPr>
+            <a:cxnSpLocks/>
+          </p:cNvCxnSpPr>
+          <p:nvPr/>
+        </p:nvCxnSpPr>
+        <p:spPr bwMode="auto">
+          <a:xfrm flipH="0" flipV="0">
+            <a:off x="13611" y="9578863"/>
+            <a:ext cx="10247581" cy="75540"/>
+          </a:xfrm>
+          <a:prstGeom prst="line">
+            <a:avLst/>
+          </a:prstGeom>
+          <a:ln w="38099" cap="flat" cmpd="sng" algn="ctr">
+            <a:solidFill>
+              <a:schemeClr val="bg1"/>
+            </a:solidFill>
+            <a:prstDash val="solid"/>
+          </a:ln>
+        </p:spPr>
+        <p:style>
+          <a:lnRef idx="1">
+            <a:schemeClr val="accent1">
+              <a:shade val="50000"/>
+            </a:schemeClr>
+          </a:lnRef>
+          <a:fillRef idx="0">
+            <a:schemeClr val="accent1"/>
+          </a:fillRef>
+          <a:effectRef idx="0">
+            <a:schemeClr val="accent1"/>
+          </a:effectRef>
+          <a:fontRef idx="minor">
+            <a:schemeClr val="tx1"/>
+          </a:fontRef>
+        </p:style>
+      </p:cxnSp>
     </p:spTree>
   </p:cSld>
   <p:clrMapOvr>
@@ -5388,10 +5110,9 @@
     <p:bg>
       <p:bgPr shadeToTitle="0">
         <a:solidFill>
-          <a:schemeClr val="accent4">
-            <a:lumMod val="50000"/>
+          <a:srgbClr val="26233A">
             <a:alpha val="99999"/>
-          </a:schemeClr>
+          </a:srgbClr>
         </a:solidFill>
       </p:bgPr>
     </p:bg>
@@ -5506,8 +5227,8 @@
         </p:nvSpPr>
         <p:spPr bwMode="auto">
           <a:xfrm flipH="0" flipV="0">
-            <a:off x="1004100" y="1869804"/>
-            <a:ext cx="8259270" cy="7224119"/>
+            <a:off x="1004099" y="1377131"/>
+            <a:ext cx="8276909" cy="6980279"/>
           </a:xfrm>
           <a:prstGeom prst="rect">
             <a:avLst/>
@@ -5523,7 +5244,18 @@
               <a:defRPr/>
             </a:pPr>
             <a:r>
-              <a:rPr lang="en-US" sz="2600" b="0" i="0" u="none" strike="noStrike" cap="none" spc="0">
+              <a:rPr lang="en-US" sz="3600" b="0" i="0" u="none" strike="noStrike" cap="none" spc="0">
+                <a:solidFill>
+                  <a:schemeClr val="bg1"/>
+                </a:solidFill>
+                <a:latin typeface="Agave"/>
+                <a:ea typeface="Agave"/>
+                <a:cs typeface="Agave"/>
+              </a:rPr>
+              <a:t>“Grains, fruits, nuts, and vegetables constitute the diet chosen for us by our Creator. These foods, prepared in as </a:t>
+            </a:r>
+            <a:r>
+              <a:rPr lang="en-US" sz="3600" b="0" i="0" u="none" strike="noStrike" cap="none" spc="0">
                 <a:solidFill>
                   <a:srgbClr val="00B0F0"/>
                 </a:solidFill>
@@ -5531,10 +5263,10 @@
                 <a:ea typeface="Agave"/>
                 <a:cs typeface="Agave"/>
               </a:rPr>
-              <a:t>Far too much sugar</a:t>
-            </a:r>
-            <a:r>
-              <a:rPr lang="en-US" sz="2600" b="0" i="0" u="none" strike="noStrike" cap="none" spc="0">
+              <a:t>simple and natural a manner as possible</a:t>
+            </a:r>
+            <a:r>
+              <a:rPr lang="en-US" sz="3600" b="0" i="0" u="none" strike="noStrike" cap="none" spc="0">
                 <a:solidFill>
                   <a:schemeClr val="bg1"/>
                 </a:solidFill>
@@ -5542,10 +5274,10 @@
                 <a:ea typeface="Agave"/>
                 <a:cs typeface="Agave"/>
               </a:rPr>
-              <a:t> is ordinarily used i</a:t>
-            </a:r>
-            <a:r>
-              <a:rPr lang="en-US" sz="2600" b="0" i="0" u="none" strike="noStrike" cap="none" spc="0">
+              <a:t>, are the </a:t>
+            </a:r>
+            <a:r>
+              <a:rPr lang="en-US" sz="3600" b="0" i="0" u="none" strike="noStrike" cap="none" spc="0">
                 <a:solidFill>
                   <a:srgbClr val="92D050"/>
                 </a:solidFill>
@@ -5553,10 +5285,10 @@
                 <a:ea typeface="Agave"/>
                 <a:cs typeface="Agave"/>
               </a:rPr>
-              <a:t>n food. Cakes, sweet puddings, pastries, jellies, jams</a:t>
-            </a:r>
-            <a:r>
-              <a:rPr lang="en-US" sz="2600" b="0" i="0" u="none" strike="noStrike" cap="none" spc="0">
+              <a:t>most healthful and nourishing</a:t>
+            </a:r>
+            <a:r>
+              <a:rPr lang="en-US" sz="3600" b="0" i="0" u="none" strike="noStrike" cap="none" spc="0">
                 <a:solidFill>
                   <a:schemeClr val="bg1"/>
                 </a:solidFill>
@@ -5564,9 +5296,9 @@
                 <a:ea typeface="Agave"/>
                 <a:cs typeface="Agave"/>
               </a:rPr>
-              <a:t>, </a:t>
-            </a:r>
-            <a:endParaRPr sz="2600" b="0" i="0" u="none" strike="noStrike" cap="none" spc="0">
+              <a:t>.”</a:t>
+            </a:r>
+            <a:endParaRPr lang="en-US" sz="3600" b="0" i="0" u="none" strike="noStrike" cap="none" spc="0">
               <a:solidFill>
                 <a:schemeClr val="bg1"/>
               </a:solidFill>
@@ -5579,75 +5311,8 @@
             <a:pPr>
               <a:defRPr/>
             </a:pPr>
-            <a:endParaRPr sz="2600" b="0" i="0" u="none" strike="noStrike" cap="none" spc="0">
-              <a:solidFill>
-                <a:schemeClr val="bg1"/>
-              </a:solidFill>
-              <a:latin typeface="Agave"/>
-              <a:cs typeface="Agave"/>
-            </a:endParaRPr>
-          </a:p>
-          <a:p>
-            <a:pPr>
-              <a:defRPr/>
-            </a:pPr>
-            <a:r>
-              <a:rPr lang="en-US" sz="2600" b="0" i="0" u="none" strike="noStrike" cap="none" spc="0">
-                <a:solidFill>
-                  <a:srgbClr val="00B0F0"/>
-                </a:solidFill>
-                <a:latin typeface="Agave"/>
-                <a:ea typeface="Agave"/>
-                <a:cs typeface="Agave"/>
-              </a:rPr>
-              <a:t>Fine-flour bread </a:t>
-            </a:r>
-            <a:r>
-              <a:rPr lang="en-US" sz="2600" b="0" i="0" u="none" strike="noStrike" cap="none" spc="0">
-                <a:solidFill>
-                  <a:srgbClr val="00B0F0"/>
-                </a:solidFill>
-                <a:latin typeface="Agave"/>
-                <a:ea typeface="Agave"/>
-                <a:cs typeface="Agave"/>
-              </a:rPr>
-              <a:t>does not impart to the system the nourishment</a:t>
-            </a:r>
-            <a:r>
-              <a:rPr lang="en-US" sz="2600" b="0" i="0" u="none" strike="noStrike" cap="none" spc="0">
-                <a:solidFill>
-                  <a:schemeClr val="bg1"/>
-                </a:solidFill>
-                <a:latin typeface="Agave"/>
-                <a:ea typeface="Agave"/>
-                <a:cs typeface="Agave"/>
-              </a:rPr>
-              <a:t> that is to be </a:t>
-            </a:r>
-            <a:r>
-              <a:rPr lang="en-US" sz="2600" b="0" i="0" u="none" strike="noStrike" cap="none" spc="0">
-                <a:solidFill>
-                  <a:srgbClr val="92D050"/>
-                </a:solidFill>
-                <a:latin typeface="Agave"/>
-                <a:ea typeface="Agave"/>
-                <a:cs typeface="Agave"/>
-              </a:rPr>
-              <a:t>found in </a:t>
-            </a:r>
-            <a:r>
-              <a:rPr lang="en-US" sz="2600" b="0" i="0" u="none" strike="noStrike" cap="none" spc="0">
-                <a:solidFill>
-                  <a:srgbClr val="92D050"/>
-                </a:solidFill>
-                <a:latin typeface="Agave"/>
-                <a:ea typeface="Agave"/>
-                <a:cs typeface="Agave"/>
-              </a:rPr>
-              <a:t>unbolted-wheat bread.</a:t>
-            </a:r>
-            <a:r>
-              <a:rPr lang="en-US" sz="2600" b="0" i="0" u="none" strike="noStrike" cap="none" spc="0">
+            <a:r>
+              <a:rPr lang="en-US" sz="3600" b="0" i="0" u="none" strike="noStrike" cap="none" spc="0">
                 <a:solidFill>
                   <a:schemeClr val="bg1"/>
                 </a:solidFill>
@@ -5657,30 +5322,21 @@
               </a:rPr>
               <a:t> </a:t>
             </a:r>
-            <a:r>
-              <a:rPr lang="en-US" sz="2600" b="0" i="0" u="none" strike="noStrike" cap="none" spc="0">
-                <a:solidFill>
-                  <a:srgbClr val="FFC000"/>
-                </a:solidFill>
-                <a:latin typeface="Agave"/>
-                <a:ea typeface="Agave"/>
-                <a:cs typeface="Agave"/>
-              </a:rPr>
-              <a:t>Its common use will not keep the system in </a:t>
-            </a:r>
-            <a:r>
-              <a:rPr lang="en-US" sz="2600" b="0" i="0" u="none" strike="noStrike" cap="none" spc="0">
-                <a:solidFill>
-                  <a:srgbClr val="FFC000"/>
-                </a:solidFill>
-                <a:latin typeface="Agave"/>
-                <a:ea typeface="Agave"/>
-                <a:cs typeface="Agave"/>
-              </a:rPr>
-              <a:t>the best condition</a:t>
-            </a:r>
-            <a:r>
-              <a:rPr lang="en-US" sz="2600" b="0" i="0" u="none" strike="noStrike" cap="none" spc="0">
+            <a:endParaRPr lang="en-US" sz="3600" b="0" i="0" u="none" strike="noStrike" cap="none" spc="0">
+              <a:solidFill>
+                <a:schemeClr val="bg1"/>
+              </a:solidFill>
+              <a:latin typeface="Agave"/>
+              <a:ea typeface="Agave"/>
+              <a:cs typeface="Agave"/>
+            </a:endParaRPr>
+          </a:p>
+          <a:p>
+            <a:pPr>
+              <a:defRPr/>
+            </a:pPr>
+            <a:r>
+              <a:rPr lang="en-US" sz="3600" b="0" i="0" u="none" strike="noStrike" cap="none" spc="0">
                 <a:solidFill>
                   <a:schemeClr val="bg1"/>
                 </a:solidFill>
@@ -5688,91 +5344,10 @@
                 <a:ea typeface="Agave"/>
                 <a:cs typeface="Agave"/>
               </a:rPr>
-              <a:t>. </a:t>
-            </a:r>
-            <a:endParaRPr lang="en-US" sz="2600" b="0" i="0" u="none" strike="noStrike" cap="none" spc="0">
-              <a:solidFill>
-                <a:schemeClr val="bg1"/>
-              </a:solidFill>
-              <a:latin typeface="Agave"/>
-              <a:ea typeface="Agave"/>
-              <a:cs typeface="Agave"/>
-            </a:endParaRPr>
-          </a:p>
-          <a:p>
-            <a:pPr>
-              <a:defRPr/>
-            </a:pPr>
-            <a:endParaRPr lang="en-US" sz="2600" b="0" i="0" u="none" strike="noStrike" cap="none" spc="0">
-              <a:solidFill>
-                <a:schemeClr val="bg1"/>
-              </a:solidFill>
-              <a:latin typeface="Agave"/>
-              <a:ea typeface="Agave"/>
-              <a:cs typeface="Agave"/>
-            </a:endParaRPr>
-          </a:p>
-          <a:p>
-            <a:pPr>
-              <a:defRPr/>
-            </a:pPr>
-            <a:r>
-              <a:rPr lang="en-US" sz="2600" b="0" i="0" u="none" strike="noStrike" cap="none" spc="0">
-                <a:solidFill>
-                  <a:schemeClr val="bg1"/>
-                </a:solidFill>
-                <a:latin typeface="Agave"/>
-                <a:ea typeface="Agave"/>
-                <a:cs typeface="Agave"/>
-              </a:rPr>
-              <a:t>Grains, fruits, nuts, and vegetables constitute the diet chosen for us by our Creator. These foods, prepared in as </a:t>
-            </a:r>
-            <a:r>
-              <a:rPr lang="en-US" sz="2600" b="0" i="0" u="none" strike="noStrike" cap="none" spc="0">
-                <a:solidFill>
-                  <a:srgbClr val="00B0F0"/>
-                </a:solidFill>
-                <a:latin typeface="Agave"/>
-                <a:ea typeface="Agave"/>
-                <a:cs typeface="Agave"/>
-              </a:rPr>
-              <a:t>simple and natural a manner as possible</a:t>
-            </a:r>
-            <a:r>
-              <a:rPr lang="en-US" sz="2600" b="0" i="0" u="none" strike="noStrike" cap="none" spc="0">
-                <a:solidFill>
-                  <a:schemeClr val="bg1"/>
-                </a:solidFill>
-                <a:latin typeface="Agave"/>
-                <a:ea typeface="Agave"/>
-                <a:cs typeface="Agave"/>
-              </a:rPr>
-              <a:t>, are the </a:t>
-            </a:r>
-            <a:r>
-              <a:rPr lang="en-US" sz="2600" b="0" i="0" u="none" strike="noStrike" cap="none" spc="0">
-                <a:solidFill>
-                  <a:srgbClr val="92D050"/>
-                </a:solidFill>
-                <a:latin typeface="Agave"/>
-                <a:ea typeface="Agave"/>
-                <a:cs typeface="Agave"/>
-              </a:rPr>
-              <a:t>most healthful and nourishing</a:t>
-            </a:r>
-            <a:r>
-              <a:rPr lang="en-US" sz="2600" b="0" i="0" u="none" strike="noStrike" cap="none" spc="0">
-                <a:solidFill>
-                  <a:schemeClr val="bg1"/>
-                </a:solidFill>
-                <a:latin typeface="Agave"/>
-                <a:ea typeface="Agave"/>
-                <a:cs typeface="Agave"/>
-              </a:rPr>
-              <a:t>. They impart a strength, a power of endurance, and a vigor of intellect that </a:t>
-            </a:r>
-            <a:r>
-              <a:rPr lang="en-US" sz="2600" b="0" i="0" u="none" strike="noStrike" cap="none" spc="0">
+              <a:t>“They impart a strength, a power of endurance, and a vigor of intellect that </a:t>
+            </a:r>
+            <a:r>
+              <a:rPr lang="en-US" sz="3600" b="0" i="0" u="none" strike="noStrike" cap="none" spc="0">
                 <a:solidFill>
                   <a:srgbClr val="FFC000"/>
                 </a:solidFill>
@@ -5783,7 +5358,7 @@
               <a:t>are not afforded by a more complex and stimulating diet</a:t>
             </a:r>
             <a:r>
-              <a:rPr lang="en-US" sz="2600" b="0" i="0" u="none" strike="noStrike" cap="none" spc="0">
+              <a:rPr lang="en-US" sz="3600" b="0" i="0" u="none" strike="noStrike" cap="none" spc="0">
                 <a:solidFill>
                   <a:schemeClr val="bg1"/>
                 </a:solidFill>
@@ -5791,9 +5366,9 @@
                 <a:ea typeface="Agave"/>
                 <a:cs typeface="Agave"/>
               </a:rPr>
-              <a:t>.</a:t>
-            </a:r>
-            <a:endParaRPr lang="en-US" sz="2600" b="0" i="0" u="none" strike="noStrike" cap="none" spc="0">
+              <a:t>...”</a:t>
+            </a:r>
+            <a:endParaRPr lang="en-US" sz="3600" b="0" i="0" u="none" strike="noStrike" cap="none" spc="0">
               <a:solidFill>
                 <a:schemeClr val="bg1"/>
               </a:solidFill>
@@ -5806,20 +5381,7 @@
             <a:pPr>
               <a:defRPr/>
             </a:pPr>
-            <a:endParaRPr lang="en-US" sz="2600" b="0" i="0" u="none" strike="noStrike" cap="none" spc="0">
-              <a:solidFill>
-                <a:schemeClr val="bg1"/>
-              </a:solidFill>
-              <a:latin typeface="Agave"/>
-              <a:ea typeface="Agave"/>
-              <a:cs typeface="Agave"/>
-            </a:endParaRPr>
-          </a:p>
-          <a:p>
-            <a:pPr>
-              <a:defRPr/>
-            </a:pPr>
-            <a:endParaRPr sz="2600" b="0" i="0" u="none" strike="noStrike" cap="none" spc="0">
+            <a:endParaRPr sz="2800" b="0" i="1" u="none" strike="noStrike" cap="none" spc="0">
               <a:solidFill>
                 <a:schemeClr val="bg1"/>
               </a:solidFill>
@@ -5832,120 +5394,7 @@
               <a:defRPr/>
             </a:pPr>
             <a:r>
-              <a:rPr lang="en-US" sz="2600" b="0" i="0" u="none" strike="noStrike" cap="none" spc="0">
-                <a:solidFill>
-                  <a:srgbClr val="EB6F92"/>
-                </a:solidFill>
-                <a:latin typeface="Agave"/>
-                <a:ea typeface="Agave"/>
-                <a:cs typeface="Agave"/>
-              </a:rPr>
-              <a:t>-Counsels on Food and Diet, Ellen G. White</a:t>
-            </a:r>
-            <a:endParaRPr sz="2600" b="0" i="0" u="none" strike="noStrike" cap="none" spc="0">
-              <a:solidFill>
-                <a:srgbClr val="EB6F92"/>
-              </a:solidFill>
-              <a:latin typeface="Agave"/>
-              <a:cs typeface="Agave"/>
-            </a:endParaRPr>
-          </a:p>
-        </p:txBody>
-      </p:sp>
-      <p:sp>
-        <p:nvSpPr>
-          <p:cNvPr id="1627411493" name="TextBox 6"/>
-          <p:cNvSpPr txBox="1"/>
-          <p:nvPr/>
-        </p:nvSpPr>
-        <p:spPr bwMode="auto">
-          <a:xfrm rot="0" flipH="0" flipV="0">
-            <a:off x="-80784" y="710786"/>
-            <a:ext cx="10562178" cy="782425"/>
-          </a:xfrm>
-          <a:prstGeom prst="rect">
-            <a:avLst/>
-          </a:prstGeom>
-        </p:spPr>
-        <p:txBody>
-          <a:bodyPr lIns="0" tIns="0" rIns="0" bIns="0" rtlCol="0" anchor="t">
-            <a:spAutoFit/>
-          </a:bodyPr>
-          <a:lstStyle/>
-          <a:p>
-            <a:pPr algn="ctr">
-              <a:lnSpc>
-                <a:spcPts val="6157"/>
-              </a:lnSpc>
-              <a:defRPr/>
-            </a:pPr>
-            <a:r>
-              <a:rPr lang="en-US" sz="2000" b="0">
-                <a:solidFill>
-                  <a:schemeClr val="bg1">
-                    <a:lumMod val="65000"/>
-                  </a:schemeClr>
-                </a:solidFill>
-                <a:latin typeface="Agave"/>
-                <a:ea typeface="Agave"/>
-                <a:cs typeface="Agave"/>
-              </a:rPr>
-              <a:t>Liu et al, 2000, </a:t>
-            </a:r>
-            <a:r>
-              <a:rPr lang="en-US" sz="2000" b="0" i="0" u="none" strike="noStrike" cap="none" spc="0">
-                <a:solidFill>
-                  <a:schemeClr val="bg1">
-                    <a:lumMod val="65000"/>
-                  </a:schemeClr>
-                </a:solidFill>
-                <a:latin typeface="Agave"/>
-                <a:ea typeface="Agave"/>
-                <a:cs typeface="Agave"/>
-              </a:rPr>
-              <a:t>American Journal of Clinical Nutrition, 71(6), 1455–1461.</a:t>
-            </a:r>
-            <a:endParaRPr sz="2600" b="0">
-              <a:solidFill>
-                <a:schemeClr val="bg1">
-                  <a:lumMod val="65000"/>
-                </a:schemeClr>
-              </a:solidFill>
-              <a:latin typeface="Tinos"/>
-              <a:cs typeface="Tinos"/>
-            </a:endParaRPr>
-          </a:p>
-        </p:txBody>
-      </p:sp>
-      <p:sp>
-        <p:nvSpPr>
-          <p:cNvPr id="1130362054" name="TextBox 6"/>
-          <p:cNvSpPr txBox="1"/>
-          <p:nvPr/>
-        </p:nvSpPr>
-        <p:spPr bwMode="auto">
-          <a:xfrm rot="0" flipH="0" flipV="0">
-            <a:off x="501507" y="9279210"/>
-            <a:ext cx="4016785" cy="782298"/>
-          </a:xfrm>
-          <a:prstGeom prst="rect">
-            <a:avLst/>
-          </a:prstGeom>
-        </p:spPr>
-        <p:txBody>
-          <a:bodyPr lIns="0" tIns="0" rIns="0" bIns="0" rtlCol="0" anchor="t">
-            <a:spAutoFit/>
-          </a:bodyPr>
-          <a:lstStyle/>
-          <a:p>
-            <a:pPr algn="ctr">
-              <a:lnSpc>
-                <a:spcPts val="6156"/>
-              </a:lnSpc>
-              <a:defRPr/>
-            </a:pPr>
-            <a:r>
-              <a:rPr lang="en-US" sz="2600" b="0">
+              <a:rPr lang="en-US" sz="2800" b="0" i="1" u="none" strike="noStrike" cap="none" spc="0">
                 <a:solidFill>
                   <a:schemeClr val="bg1"/>
                 </a:solidFill>
@@ -5953,62 +5402,15 @@
                 <a:ea typeface="Agave"/>
                 <a:cs typeface="Agave"/>
               </a:rPr>
-              <a:t>Counsels on Lifestyle</a:t>
-            </a:r>
-            <a:endParaRPr sz="2600" b="0">
+              <a:t>The Ministry of Healing, 296, Ellen G. White</a:t>
+            </a:r>
+            <a:endParaRPr lang="en-US" sz="2800" b="0" i="1" u="none" strike="noStrike" cap="none" spc="0">
               <a:solidFill>
                 <a:schemeClr val="bg1"/>
               </a:solidFill>
-              <a:latin typeface="Tinos"/>
-              <a:cs typeface="Tinos"/>
-            </a:endParaRPr>
-          </a:p>
-        </p:txBody>
-      </p:sp>
-      <p:sp>
-        <p:nvSpPr>
-          <p:cNvPr id="910733129" name="TextBox 6"/>
-          <p:cNvSpPr txBox="1"/>
-          <p:nvPr/>
-        </p:nvSpPr>
-        <p:spPr bwMode="auto">
-          <a:xfrm rot="0" flipH="0" flipV="0">
-            <a:off x="-427812" y="163459"/>
-            <a:ext cx="11250198" cy="782552"/>
-          </a:xfrm>
-          <a:prstGeom prst="rect">
-            <a:avLst/>
-          </a:prstGeom>
-        </p:spPr>
-        <p:txBody>
-          <a:bodyPr lIns="0" tIns="0" rIns="0" bIns="0" rtlCol="0" anchor="t">
-            <a:spAutoFit/>
-          </a:bodyPr>
-          <a:lstStyle/>
-          <a:p>
-            <a:pPr algn="ctr">
-              <a:lnSpc>
-                <a:spcPts val="6158"/>
-              </a:lnSpc>
-              <a:defRPr/>
-            </a:pPr>
-            <a:r>
-              <a:rPr lang="en-US" sz="2400" b="0">
-                <a:solidFill>
-                  <a:schemeClr val="bg1"/>
-                </a:solidFill>
-                <a:latin typeface="Agave"/>
-                <a:ea typeface="Agave"/>
-                <a:cs typeface="Agave"/>
-              </a:rPr>
-              <a:t>Refined Sugars means Higher Cardiovascular Disease Risk (CVD)</a:t>
-            </a:r>
-            <a:endParaRPr sz="2600" b="0">
-              <a:solidFill>
-                <a:schemeClr val="bg1"/>
-              </a:solidFill>
-              <a:latin typeface="Tinos"/>
-              <a:cs typeface="Tinos"/>
+              <a:latin typeface="Agave"/>
+              <a:ea typeface="Agave"/>
+              <a:cs typeface="Agave"/>
             </a:endParaRPr>
           </a:p>
         </p:txBody>
@@ -6058,6 +5460,94 @@
               <a:defRPr/>
             </a:pPr>
             <a:endParaRPr/>
+          </a:p>
+        </p:txBody>
+      </p:sp>
+      <p:cxnSp>
+        <p:nvCxnSpPr>
+          <p:cNvPr id="1531857756" name=""/>
+          <p:cNvCxnSpPr>
+            <a:cxnSpLocks/>
+          </p:cNvCxnSpPr>
+          <p:nvPr/>
+        </p:nvCxnSpPr>
+        <p:spPr bwMode="auto">
+          <a:xfrm flipH="0" flipV="0">
+            <a:off x="13611" y="9578863"/>
+            <a:ext cx="10247581" cy="75540"/>
+          </a:xfrm>
+          <a:prstGeom prst="line">
+            <a:avLst/>
+          </a:prstGeom>
+          <a:ln w="38099" cap="flat" cmpd="sng" algn="ctr">
+            <a:solidFill>
+              <a:schemeClr val="bg1"/>
+            </a:solidFill>
+            <a:prstDash val="solid"/>
+          </a:ln>
+        </p:spPr>
+        <p:style>
+          <a:lnRef idx="1">
+            <a:schemeClr val="accent1">
+              <a:shade val="50000"/>
+            </a:schemeClr>
+          </a:lnRef>
+          <a:fillRef idx="0">
+            <a:schemeClr val="accent1"/>
+          </a:fillRef>
+          <a:effectRef idx="0">
+            <a:schemeClr val="accent1"/>
+          </a:effectRef>
+          <a:fontRef idx="minor">
+            <a:schemeClr val="tx1"/>
+          </a:fontRef>
+        </p:style>
+      </p:cxnSp>
+      <p:sp>
+        <p:nvSpPr>
+          <p:cNvPr id="1256266190" name="TextBox 6"/>
+          <p:cNvSpPr txBox="1"/>
+          <p:nvPr/>
+        </p:nvSpPr>
+        <p:spPr bwMode="auto">
+          <a:xfrm rot="0" flipH="0" flipV="0">
+            <a:off x="173058" y="9377743"/>
+            <a:ext cx="4017144" cy="782172"/>
+          </a:xfrm>
+          <a:prstGeom prst="rect">
+            <a:avLst/>
+          </a:prstGeom>
+        </p:spPr>
+        <p:txBody>
+          <a:bodyPr lIns="0" tIns="0" rIns="0" bIns="0" rtlCol="0" anchor="t">
+            <a:spAutoFit/>
+          </a:bodyPr>
+          <a:lstStyle/>
+          <a:p>
+            <a:pPr algn="ctr">
+              <a:lnSpc>
+                <a:spcPts val="6155"/>
+              </a:lnSpc>
+              <a:defRPr/>
+            </a:pPr>
+            <a:r>
+              <a:rPr lang="en-US" sz="2600" b="0">
+                <a:solidFill>
+                  <a:schemeClr val="bg1"/>
+                </a:solidFill>
+                <a:latin typeface="Agave"/>
+                <a:ea typeface="Agave"/>
+                <a:cs typeface="Agave"/>
+              </a:rPr>
+              <a:t>Counsels on Lifestyle</a:t>
+            </a:r>
+            <a:endParaRPr sz="2600" b="0">
+              <a:solidFill>
+                <a:schemeClr val="bg1"/>
+              </a:solidFill>
+              <a:latin typeface="Tinos"/>
+              <a:cs typeface="Tinos"/>
+            </a:endParaRPr>
           </a:p>
         </p:txBody>
       </p:sp>

--- a/posts/1/slides.pptx
+++ b/posts/1/slides.pptx
@@ -4401,54 +4401,6 @@
       </p:sp>
       <p:sp>
         <p:nvSpPr>
-          <p:cNvPr id="1487467227" name="TextBox 6"/>
-          <p:cNvSpPr txBox="1"/>
-          <p:nvPr/>
-        </p:nvSpPr>
-        <p:spPr bwMode="auto">
-          <a:xfrm rot="0" flipH="0" flipV="0">
-            <a:off x="173058" y="9377744"/>
-            <a:ext cx="4016785" cy="782298"/>
-          </a:xfrm>
-          <a:prstGeom prst="rect">
-            <a:avLst/>
-          </a:prstGeom>
-        </p:spPr>
-        <p:txBody>
-          <a:bodyPr lIns="0" tIns="0" rIns="0" bIns="0" rtlCol="0" anchor="t">
-            <a:spAutoFit/>
-          </a:bodyPr>
-          <a:lstStyle/>
-          <a:p>
-            <a:pPr algn="ctr">
-              <a:lnSpc>
-                <a:spcPts val="6156"/>
-              </a:lnSpc>
-              <a:defRPr/>
-            </a:pPr>
-            <a:r>
-              <a:rPr lang="en-US" sz="2600" b="0">
-                <a:solidFill>
-                  <a:schemeClr val="bg1"/>
-                </a:solidFill>
-                <a:latin typeface="Agave"/>
-                <a:ea typeface="Agave"/>
-                <a:cs typeface="Agave"/>
-              </a:rPr>
-              <a:t>Counsels on Lifestyle</a:t>
-            </a:r>
-            <a:endParaRPr sz="2600" b="0">
-              <a:solidFill>
-                <a:schemeClr val="bg1"/>
-              </a:solidFill>
-              <a:latin typeface="Tinos"/>
-              <a:cs typeface="Tinos"/>
-            </a:endParaRPr>
-          </a:p>
-        </p:txBody>
-      </p:sp>
-      <p:sp>
-        <p:nvSpPr>
           <p:cNvPr id="423228420" name="TextBox 6"/>
           <p:cNvSpPr txBox="1"/>
           <p:nvPr/>
@@ -4627,6 +4579,54 @@
           </a:fontRef>
         </p:style>
       </p:cxnSp>
+      <p:sp>
+        <p:nvSpPr>
+          <p:cNvPr id="1323290992" name="TextBox 6"/>
+          <p:cNvSpPr txBox="1"/>
+          <p:nvPr/>
+        </p:nvSpPr>
+        <p:spPr bwMode="auto">
+          <a:xfrm rot="0" flipH="0" flipV="0">
+            <a:off x="173056" y="9377742"/>
+            <a:ext cx="4593884" cy="782044"/>
+          </a:xfrm>
+          <a:prstGeom prst="rect">
+            <a:avLst/>
+          </a:prstGeom>
+        </p:spPr>
+        <p:txBody>
+          <a:bodyPr lIns="0" tIns="0" rIns="0" bIns="0" rtlCol="0" anchor="t">
+            <a:spAutoFit/>
+          </a:bodyPr>
+          <a:lstStyle/>
+          <a:p>
+            <a:pPr algn="ctr">
+              <a:lnSpc>
+                <a:spcPts val="6154"/>
+              </a:lnSpc>
+              <a:defRPr/>
+            </a:pPr>
+            <a:r>
+              <a:rPr lang="en-US" sz="2600" b="0">
+                <a:solidFill>
+                  <a:schemeClr val="bg1"/>
+                </a:solidFill>
+                <a:latin typeface="Agave"/>
+                <a:ea typeface="Agave"/>
+                <a:cs typeface="Agave"/>
+              </a:rPr>
+              <a:t>The Health Message Works!</a:t>
+            </a:r>
+            <a:endParaRPr sz="2600" b="0">
+              <a:solidFill>
+                <a:schemeClr val="bg1"/>
+              </a:solidFill>
+              <a:latin typeface="Tinos"/>
+              <a:cs typeface="Tinos"/>
+            </a:endParaRPr>
+          </a:p>
+        </p:txBody>
+      </p:sp>
     </p:spTree>
   </p:cSld>
   <p:clrMapOvr>
@@ -5000,54 +5000,6 @@
           </a:p>
         </p:txBody>
       </p:sp>
-      <p:sp>
-        <p:nvSpPr>
-          <p:cNvPr id="810697383" name="TextBox 6"/>
-          <p:cNvSpPr txBox="1"/>
-          <p:nvPr/>
-        </p:nvSpPr>
-        <p:spPr bwMode="auto">
-          <a:xfrm rot="0" flipH="0" flipV="0">
-            <a:off x="173057" y="9377743"/>
-            <a:ext cx="4018584" cy="782172"/>
-          </a:xfrm>
-          <a:prstGeom prst="rect">
-            <a:avLst/>
-          </a:prstGeom>
-        </p:spPr>
-        <p:txBody>
-          <a:bodyPr lIns="0" tIns="0" rIns="0" bIns="0" rtlCol="0" anchor="t">
-            <a:spAutoFit/>
-          </a:bodyPr>
-          <a:lstStyle/>
-          <a:p>
-            <a:pPr algn="ctr">
-              <a:lnSpc>
-                <a:spcPts val="6155"/>
-              </a:lnSpc>
-              <a:defRPr/>
-            </a:pPr>
-            <a:r>
-              <a:rPr lang="en-US" sz="2600" b="0">
-                <a:solidFill>
-                  <a:schemeClr val="bg1"/>
-                </a:solidFill>
-                <a:latin typeface="Agave"/>
-                <a:ea typeface="Agave"/>
-                <a:cs typeface="Agave"/>
-              </a:rPr>
-              <a:t>Counsels on Lifestyle</a:t>
-            </a:r>
-            <a:endParaRPr sz="2600" b="0">
-              <a:solidFill>
-                <a:schemeClr val="bg1"/>
-              </a:solidFill>
-              <a:latin typeface="Tinos"/>
-              <a:cs typeface="Tinos"/>
-            </a:endParaRPr>
-          </a:p>
-        </p:txBody>
-      </p:sp>
       <p:cxnSp>
         <p:nvCxnSpPr>
           <p:cNvPr id="2133306795" name=""/>
@@ -5067,6 +5019,139 @@
           <a:ln w="38099" cap="flat" cmpd="sng" algn="ctr">
             <a:solidFill>
               <a:schemeClr val="bg1"/>
+            </a:solidFill>
+            <a:prstDash val="solid"/>
+          </a:ln>
+        </p:spPr>
+        <p:style>
+          <a:lnRef idx="1">
+            <a:schemeClr val="accent1">
+              <a:shade val="50000"/>
+            </a:schemeClr>
+          </a:lnRef>
+          <a:fillRef idx="0">
+            <a:schemeClr val="accent1"/>
+          </a:fillRef>
+          <a:effectRef idx="0">
+            <a:schemeClr val="accent1"/>
+          </a:effectRef>
+          <a:fontRef idx="minor">
+            <a:schemeClr val="tx1"/>
+          </a:fontRef>
+        </p:style>
+      </p:cxnSp>
+      <p:sp>
+        <p:nvSpPr>
+          <p:cNvPr id="610519770" name="TextBox 6"/>
+          <p:cNvSpPr txBox="1"/>
+          <p:nvPr/>
+        </p:nvSpPr>
+        <p:spPr bwMode="auto">
+          <a:xfrm rot="0" flipH="0" flipV="0">
+            <a:off x="173056" y="9377742"/>
+            <a:ext cx="4593884" cy="782044"/>
+          </a:xfrm>
+          <a:prstGeom prst="rect">
+            <a:avLst/>
+          </a:prstGeom>
+        </p:spPr>
+        <p:txBody>
+          <a:bodyPr lIns="0" tIns="0" rIns="0" bIns="0" rtlCol="0" anchor="t">
+            <a:spAutoFit/>
+          </a:bodyPr>
+          <a:lstStyle/>
+          <a:p>
+            <a:pPr algn="ctr">
+              <a:lnSpc>
+                <a:spcPts val="6154"/>
+              </a:lnSpc>
+              <a:defRPr/>
+            </a:pPr>
+            <a:r>
+              <a:rPr lang="en-US" sz="2600" b="0">
+                <a:solidFill>
+                  <a:schemeClr val="bg1"/>
+                </a:solidFill>
+                <a:latin typeface="Agave"/>
+                <a:ea typeface="Agave"/>
+                <a:cs typeface="Agave"/>
+              </a:rPr>
+              <a:t>The Health Message Works!</a:t>
+            </a:r>
+            <a:endParaRPr sz="2600" b="0">
+              <a:solidFill>
+                <a:schemeClr val="bg1"/>
+              </a:solidFill>
+              <a:latin typeface="Tinos"/>
+              <a:cs typeface="Tinos"/>
+            </a:endParaRPr>
+          </a:p>
+        </p:txBody>
+      </p:sp>
+      <p:sp>
+        <p:nvSpPr>
+          <p:cNvPr id="784645952" name=""/>
+          <p:cNvSpPr txBox="1"/>
+          <p:nvPr/>
+        </p:nvSpPr>
+        <p:spPr bwMode="auto">
+          <a:xfrm flipH="0" flipV="0">
+            <a:off x="3517758" y="155342"/>
+            <a:ext cx="6556170" cy="488039"/>
+          </a:xfrm>
+          <a:prstGeom prst="rect">
+            <a:avLst/>
+          </a:prstGeom>
+          <a:noFill/>
+        </p:spPr>
+        <p:txBody>
+          <a:bodyPr vertOverflow="overflow" horzOverflow="overflow" vert="horz" wrap="square" lIns="91440" tIns="45720" rIns="91440" bIns="45720" numCol="1" spcCol="0" rtlCol="0" fromWordArt="0" anchor="t" anchorCtr="0" forceAA="0" upright="0" compatLnSpc="0">
+            <a:spAutoFit/>
+          </a:bodyPr>
+          <a:p>
+            <a:pPr algn="r">
+              <a:defRPr/>
+            </a:pPr>
+            <a:r>
+              <a:rPr sz="2600" b="0">
+                <a:solidFill>
+                  <a:schemeClr val="bg1"/>
+                </a:solidFill>
+                <a:latin typeface="Agave"/>
+                <a:ea typeface="Agave"/>
+                <a:cs typeface="Agave"/>
+              </a:rPr>
+              <a:t>Scientific Research - 2000</a:t>
+            </a:r>
+            <a:endParaRPr sz="2600" b="0">
+              <a:solidFill>
+                <a:schemeClr val="bg1"/>
+              </a:solidFill>
+              <a:latin typeface="Agave"/>
+              <a:cs typeface="Agave"/>
+            </a:endParaRPr>
+          </a:p>
+        </p:txBody>
+      </p:sp>
+      <p:cxnSp>
+        <p:nvCxnSpPr>
+          <p:cNvPr id="1883301526" name=""/>
+          <p:cNvCxnSpPr>
+            <a:cxnSpLocks/>
+          </p:cNvCxnSpPr>
+          <p:nvPr/>
+        </p:nvCxnSpPr>
+        <p:spPr bwMode="auto">
+          <a:xfrm flipH="0" flipV="0">
+            <a:off x="1785" y="698934"/>
+            <a:ext cx="10247580" cy="75539"/>
+          </a:xfrm>
+          <a:prstGeom prst="line">
+            <a:avLst/>
+          </a:prstGeom>
+          <a:ln w="38099" cap="flat" cmpd="sng" algn="ctr">
+            <a:solidFill>
+              <a:srgbClr val="FFFFFF"/>
             </a:solidFill>
             <a:prstDash val="solid"/>
           </a:ln>
@@ -5505,14 +5590,14 @@
       </p:cxnSp>
       <p:sp>
         <p:nvSpPr>
-          <p:cNvPr id="1256266190" name="TextBox 6"/>
+          <p:cNvPr id="865163395" name="TextBox 6"/>
           <p:cNvSpPr txBox="1"/>
           <p:nvPr/>
         </p:nvSpPr>
         <p:spPr bwMode="auto">
           <a:xfrm rot="0" flipH="0" flipV="0">
-            <a:off x="173058" y="9377743"/>
-            <a:ext cx="4017144" cy="782172"/>
+            <a:off x="173056" y="9377742"/>
+            <a:ext cx="4593884" cy="782044"/>
           </a:xfrm>
           <a:prstGeom prst="rect">
             <a:avLst/>
@@ -5526,7 +5611,7 @@
           <a:p>
             <a:pPr algn="ctr">
               <a:lnSpc>
-                <a:spcPts val="6155"/>
+                <a:spcPts val="6154"/>
               </a:lnSpc>
               <a:defRPr/>
             </a:pPr>
@@ -5539,7 +5624,7 @@
                 <a:ea typeface="Agave"/>
                 <a:cs typeface="Agave"/>
               </a:rPr>
-              <a:t>Counsels on Lifestyle</a:t>
+              <a:t>The Health Message Works!</a:t>
             </a:r>
             <a:endParaRPr sz="2600" b="0">
               <a:solidFill>
@@ -5551,6 +5636,91 @@
           </a:p>
         </p:txBody>
       </p:sp>
+      <p:sp>
+        <p:nvSpPr>
+          <p:cNvPr id="844486863" name=""/>
+          <p:cNvSpPr txBox="1"/>
+          <p:nvPr/>
+        </p:nvSpPr>
+        <p:spPr bwMode="auto">
+          <a:xfrm flipH="0" flipV="0">
+            <a:off x="3517758" y="155342"/>
+            <a:ext cx="6548250" cy="488039"/>
+          </a:xfrm>
+          <a:prstGeom prst="rect">
+            <a:avLst/>
+          </a:prstGeom>
+          <a:noFill/>
+        </p:spPr>
+        <p:txBody>
+          <a:bodyPr vertOverflow="overflow" horzOverflow="overflow" vert="horz" wrap="square" lIns="91440" tIns="45720" rIns="91440" bIns="45720" numCol="1" spcCol="0" rtlCol="0" fromWordArt="0" anchor="t" anchorCtr="0" forceAA="0" upright="0" compatLnSpc="0">
+            <a:spAutoFit/>
+          </a:bodyPr>
+          <a:p>
+            <a:pPr algn="r">
+              <a:defRPr/>
+            </a:pPr>
+            <a:r>
+              <a:rPr sz="2600" b="0">
+                <a:solidFill>
+                  <a:schemeClr val="bg1"/>
+                </a:solidFill>
+                <a:latin typeface="Agave"/>
+                <a:ea typeface="Agave"/>
+                <a:cs typeface="Agave"/>
+              </a:rPr>
+              <a:t>Ellen G. White - 1905</a:t>
+            </a:r>
+            <a:endParaRPr sz="2600" b="0">
+              <a:solidFill>
+                <a:schemeClr val="bg1"/>
+              </a:solidFill>
+              <a:latin typeface="Agave"/>
+              <a:cs typeface="Agave"/>
+            </a:endParaRPr>
+          </a:p>
+        </p:txBody>
+      </p:sp>
+      <p:cxnSp>
+        <p:nvCxnSpPr>
+          <p:cNvPr id="1039850863" name=""/>
+          <p:cNvCxnSpPr>
+            <a:cxnSpLocks/>
+          </p:cNvCxnSpPr>
+          <p:nvPr/>
+        </p:nvCxnSpPr>
+        <p:spPr bwMode="auto">
+          <a:xfrm flipH="0" flipV="0">
+            <a:off x="1785" y="698934"/>
+            <a:ext cx="10247580" cy="75539"/>
+          </a:xfrm>
+          <a:prstGeom prst="line">
+            <a:avLst/>
+          </a:prstGeom>
+          <a:ln w="38099" cap="flat" cmpd="sng" algn="ctr">
+            <a:solidFill>
+              <a:srgbClr val="FFFFFF"/>
+            </a:solidFill>
+            <a:prstDash val="solid"/>
+          </a:ln>
+        </p:spPr>
+        <p:style>
+          <a:lnRef idx="1">
+            <a:schemeClr val="accent1">
+              <a:shade val="50000"/>
+            </a:schemeClr>
+          </a:lnRef>
+          <a:fillRef idx="0">
+            <a:schemeClr val="accent1"/>
+          </a:fillRef>
+          <a:effectRef idx="0">
+            <a:schemeClr val="accent1"/>
+          </a:effectRef>
+          <a:fontRef idx="minor">
+            <a:schemeClr val="tx1"/>
+          </a:fontRef>
+        </p:style>
+      </p:cxnSp>
     </p:spTree>
   </p:cSld>
   <p:clrMapOvr>
